--- a/fall15/slidesF15/gray-edges2.pptx
+++ b/fall15/slidesF15/gray-edges2.pptx
@@ -5,10 +5,10 @@
     <p:sldMasterId id="2147483650" r:id="rId1"/>
   </p:sldMasterIdLst>
   <p:notesMasterIdLst>
-    <p:notesMasterId r:id="rId28"/>
+    <p:notesMasterId r:id="rId34"/>
   </p:notesMasterIdLst>
   <p:handoutMasterIdLst>
-    <p:handoutMasterId r:id="rId29"/>
+    <p:handoutMasterId r:id="rId35"/>
   </p:handoutMasterIdLst>
   <p:sldIdLst>
     <p:sldId id="462" r:id="rId2"/>
@@ -25,23 +25,29 @@
     <p:sldId id="615" r:id="rId13"/>
     <p:sldId id="616" r:id="rId14"/>
     <p:sldId id="618" r:id="rId15"/>
-    <p:sldId id="638" r:id="rId16"/>
-    <p:sldId id="619" r:id="rId17"/>
-    <p:sldId id="621" r:id="rId18"/>
-    <p:sldId id="622" r:id="rId19"/>
-    <p:sldId id="627" r:id="rId20"/>
-    <p:sldId id="628" r:id="rId21"/>
-    <p:sldId id="630" r:id="rId22"/>
-    <p:sldId id="631" r:id="rId23"/>
-    <p:sldId id="632" r:id="rId24"/>
-    <p:sldId id="635" r:id="rId25"/>
-    <p:sldId id="637" r:id="rId26"/>
-    <p:sldId id="634" r:id="rId27"/>
+    <p:sldId id="619" r:id="rId16"/>
+    <p:sldId id="640" r:id="rId17"/>
+    <p:sldId id="642" r:id="rId18"/>
+    <p:sldId id="645" r:id="rId19"/>
+    <p:sldId id="641" r:id="rId20"/>
+    <p:sldId id="643" r:id="rId21"/>
+    <p:sldId id="644" r:id="rId22"/>
+    <p:sldId id="638" r:id="rId23"/>
+    <p:sldId id="621" r:id="rId24"/>
+    <p:sldId id="622" r:id="rId25"/>
+    <p:sldId id="627" r:id="rId26"/>
+    <p:sldId id="628" r:id="rId27"/>
+    <p:sldId id="630" r:id="rId28"/>
+    <p:sldId id="631" r:id="rId29"/>
+    <p:sldId id="632" r:id="rId30"/>
+    <p:sldId id="635" r:id="rId31"/>
+    <p:sldId id="637" r:id="rId32"/>
+    <p:sldId id="634" r:id="rId33"/>
   </p:sldIdLst>
   <p:sldSz cx="9144000" cy="6858000" type="letter"/>
   <p:notesSz cx="9601200" cy="7315200"/>
   <p:custDataLst>
-    <p:tags r:id="rId31"/>
+    <p:tags r:id="rId37"/>
   </p:custDataLst>
   <p:defaultTextStyle>
     <a:defPPr>
@@ -7552,7 +7558,7 @@
           <a:graphicData uri="http://schemas.openxmlformats.org/presentationml/2006/ole">
             <mc:AlternateContent xmlns:mc="http://schemas.openxmlformats.org/markup-compatibility/2006">
               <mc:Choice xmlns:v="urn:schemas-microsoft-com:vml" Requires="v">
-                <p:oleObj spid="_x0000_s9230" name="Equation" r:id="rId3" imgW="546100" imgH="228600" progId="Equation.DSMT4">
+                <p:oleObj spid="_x0000_s9238" name="Equation" r:id="rId3" imgW="546100" imgH="228600" progId="Equation.DSMT4">
                   <p:embed/>
                 </p:oleObj>
               </mc:Choice>
@@ -9890,7 +9896,7 @@
           <a:graphicData uri="http://schemas.openxmlformats.org/presentationml/2006/ole">
             <mc:AlternateContent xmlns:mc="http://schemas.openxmlformats.org/markup-compatibility/2006">
               <mc:Choice xmlns:v="urn:schemas-microsoft-com:vml" Requires="v">
-                <p:oleObj spid="_x0000_s10253" name="Equation" r:id="rId3" imgW="647700" imgH="228600" progId="Equation.DSMT4">
+                <p:oleObj spid="_x0000_s10261" name="Equation" r:id="rId3" imgW="647700" imgH="228600" progId="Equation.DSMT4">
                   <p:embed/>
                 </p:oleObj>
               </mc:Choice>
@@ -10087,7 +10093,7 @@
           <a:graphicData uri="http://schemas.openxmlformats.org/presentationml/2006/ole">
             <mc:AlternateContent xmlns:mc="http://schemas.openxmlformats.org/markup-compatibility/2006">
               <mc:Choice xmlns:v="urn:schemas-microsoft-com:vml" Requires="v">
-                <p:oleObj spid="_x0000_s11278" name="Equation" r:id="rId3" imgW="1016000" imgH="228600" progId="Equation.DSMT4">
+                <p:oleObj spid="_x0000_s11286" name="Equation" r:id="rId3" imgW="1016000" imgH="228600" progId="Equation.DSMT4">
                   <p:embed/>
                 </p:oleObj>
               </mc:Choice>
@@ -10479,7 +10485,7 @@
           <a:graphicData uri="http://schemas.openxmlformats.org/presentationml/2006/ole">
             <mc:AlternateContent xmlns:mc="http://schemas.openxmlformats.org/markup-compatibility/2006">
               <mc:Choice xmlns:v="urn:schemas-microsoft-com:vml" Requires="v">
-                <p:oleObj spid="_x0000_s1035" name="Equation" r:id="rId3" imgW="1016000" imgH="228600" progId="Equation.DSMT4">
+                <p:oleObj spid="_x0000_s1043" name="Equation" r:id="rId3" imgW="1016000" imgH="228600" progId="Equation.DSMT4">
                   <p:embed/>
                 </p:oleObj>
               </mc:Choice>
@@ -10584,11 +10590,7 @@
             </a:r>
             <a:r>
               <a:rPr lang="en-US" sz="4800" dirty="0" smtClean="0"/>
-              <a:t>is </a:t>
-            </a:r>
-            <a:r>
-              <a:rPr lang="en-US" sz="4800" dirty="0" smtClean="0"/>
-              <a:t>connected.</a:t>
+              <a:t>is connected.</a:t>
             </a:r>
           </a:p>
           <a:p>
@@ -10648,7 +10650,6 @@
               <a:rPr lang="en-US" sz="4800" dirty="0" smtClean="0"/>
               <a:t> is also a spanning tree</a:t>
             </a:r>
-            <a:endParaRPr lang="en-US" sz="4800" dirty="0" smtClean="0"/>
           </a:p>
         </p:txBody>
       </p:sp>
@@ -10662,11 +10663,11 @@
   <p:clrMapOvr>
     <a:masterClrMapping/>
   </p:clrMapOvr>
-  <mc:AlternateContent xmlns:mc="http://schemas.openxmlformats.org/markup-compatibility/2006">
-    <mc:Choice xmlns:p14="http://schemas.microsoft.com/office/powerpoint/2010/main" Requires="p14">
+  <mc:AlternateContent xmlns:mc="http://schemas.openxmlformats.org/markup-compatibility/2006" xmlns:p14="http://schemas.microsoft.com/office/powerpoint/2010/main">
+    <mc:Choice Requires="p14">
       <p:transition p14:dur="0" advClick="0"/>
     </mc:Choice>
-    <mc:Fallback>
+    <mc:Fallback xmlns="">
       <p:transition xmlns:p14="http://schemas.microsoft.com/office/powerpoint/2010/main" advClick="0"/>
     </mc:Fallback>
   </mc:AlternateContent>
@@ -10706,7 +10707,7 @@
                                         <p:tgtEl>
                                           <p:spTgt spid="3">
                                             <p:txEl>
-                                              <p:charRg st="54" end="79"/>
+                                              <p:pRg st="2" end="2"/>
                                             </p:txEl>
                                           </p:spTgt>
                                         </p:tgtEl>
@@ -10724,7 +10725,7 @@
                                         <p:tgtEl>
                                           <p:spTgt spid="3">
                                             <p:txEl>
-                                              <p:charRg st="54" end="79"/>
+                                              <p:pRg st="2" end="2"/>
                                             </p:txEl>
                                           </p:spTgt>
                                         </p:tgtEl>
@@ -10767,7 +10768,7 @@
                                         <p:tgtEl>
                                           <p:spTgt spid="3">
                                             <p:txEl>
-                                              <p:charRg st="79" end="108"/>
+                                              <p:pRg st="3" end="3"/>
                                             </p:txEl>
                                           </p:spTgt>
                                         </p:tgtEl>
@@ -10782,580 +10783,6 @@
                                     <p:animEffect transition="in" filter="fade">
                                       <p:cBhvr>
                                         <p:cTn id="12" dur="500"/>
-                                        <p:tgtEl>
-                                          <p:spTgt spid="3">
-                                            <p:txEl>
-                                              <p:charRg st="79" end="108"/>
-                                            </p:txEl>
-                                          </p:spTgt>
-                                        </p:tgtEl>
-                                      </p:cBhvr>
-                                    </p:animEffect>
-                                  </p:childTnLst>
-                                </p:cTn>
-                              </p:par>
-                            </p:childTnLst>
-                          </p:cTn>
-                        </p:par>
-                      </p:childTnLst>
-                    </p:cTn>
-                  </p:par>
-                </p:childTnLst>
-              </p:cTn>
-              <p:prevCondLst>
-                <p:cond evt="onPrev" delay="0">
-                  <p:tgtEl>
-                    <p:sldTgt/>
-                  </p:tgtEl>
-                </p:cond>
-              </p:prevCondLst>
-              <p:nextCondLst>
-                <p:cond evt="onNext" delay="0">
-                  <p:tgtEl>
-                    <p:sldTgt/>
-                  </p:tgtEl>
-                </p:cond>
-              </p:nextCondLst>
-            </p:seq>
-          </p:childTnLst>
-        </p:cTn>
-      </p:par>
-    </p:tnLst>
-  </p:timing>
-</p:sld>
-</file>
-
-<file path=ppt/slides/slide15.xml><?xml version="1.0" encoding="utf-8"?>
-<p:sld xmlns:a="http://schemas.openxmlformats.org/drawingml/2006/main" xmlns:r="http://schemas.openxmlformats.org/officeDocument/2006/relationships" xmlns:p="http://schemas.openxmlformats.org/presentationml/2006/main" show="0">
-  <p:cSld>
-    <p:spTree>
-      <p:nvGrpSpPr>
-        <p:cNvPr id="1" name=""/>
-        <p:cNvGrpSpPr/>
-        <p:nvPr/>
-      </p:nvGrpSpPr>
-      <p:grpSpPr>
-        <a:xfrm>
-          <a:off x="0" y="0"/>
-          <a:ext cx="0" cy="0"/>
-          <a:chOff x="0" y="0"/>
-          <a:chExt cx="0" cy="0"/>
-        </a:xfrm>
-      </p:grpSpPr>
-      <p:sp>
-        <p:nvSpPr>
-          <p:cNvPr id="4" name="Slide Number Placeholder 3"/>
-          <p:cNvSpPr>
-            <a:spLocks noGrp="1"/>
-          </p:cNvSpPr>
-          <p:nvPr>
-            <p:ph type="sldNum" sz="quarter" idx="4"/>
-          </p:nvPr>
-        </p:nvSpPr>
-        <p:spPr/>
-        <p:txBody>
-          <a:bodyPr/>
-          <a:lstStyle/>
-          <a:p>
-            <a:pPr>
-              <a:defRPr/>
-            </a:pPr>
-            <a:r>
-              <a:rPr lang="en-US" smtClean="0"/>
-              <a:t>connected.</a:t>
-            </a:r>
-            <a:fld id="{D7F2FC53-1536-41A9-A9C1-2199CF803E30}" type="slidenum">
-              <a:rPr lang="en-US" smtClean="0"/>
-              <a:pPr>
-                <a:defRPr/>
-              </a:pPr>
-              <a:t>15</a:t>
-            </a:fld>
-            <a:endParaRPr lang="en-US" dirty="0"/>
-          </a:p>
-        </p:txBody>
-      </p:sp>
-      <p:sp>
-        <p:nvSpPr>
-          <p:cNvPr id="45" name="Title 1"/>
-          <p:cNvSpPr>
-            <a:spLocks noGrp="1"/>
-          </p:cNvSpPr>
-          <p:nvPr>
-            <p:ph type="title"/>
-          </p:nvPr>
-        </p:nvSpPr>
-        <p:spPr>
-          <a:xfrm>
-            <a:off x="1524000" y="304800"/>
-            <a:ext cx="7086600" cy="990600"/>
-          </a:xfrm>
-        </p:spPr>
-        <p:txBody>
-          <a:bodyPr/>
-          <a:lstStyle/>
-          <a:p>
-            <a:r>
-              <a:rPr lang="en-US" dirty="0" smtClean="0"/>
-              <a:t>Proof of Lemma</a:t>
-            </a:r>
-            <a:endParaRPr lang="en-US" dirty="0"/>
-          </a:p>
-        </p:txBody>
-      </p:sp>
-      <p:sp>
-        <p:nvSpPr>
-          <p:cNvPr id="11" name="Rectangle 10"/>
-          <p:cNvSpPr/>
-          <p:nvPr/>
-        </p:nvSpPr>
-        <p:spPr>
-          <a:xfrm>
-            <a:off x="2895600" y="1828800"/>
-            <a:ext cx="1066800" cy="1371600"/>
-          </a:xfrm>
-          <a:prstGeom prst="rect">
-            <a:avLst/>
-          </a:prstGeom>
-          <a:solidFill>
-            <a:srgbClr val="DDFFFF"/>
-          </a:solidFill>
-          <a:ln w="47625">
-            <a:noFill/>
-          </a:ln>
-        </p:spPr>
-        <p:txBody>
-          <a:bodyPr rtlCol="0" anchor="ctr"/>
-          <a:lstStyle/>
-          <a:p>
-            <a:pPr algn="ctr"/>
-            <a:endParaRPr lang="en-US"/>
-          </a:p>
-        </p:txBody>
-      </p:sp>
-      <p:graphicFrame>
-        <p:nvGraphicFramePr>
-          <p:cNvPr id="2" name="Object 1"/>
-          <p:cNvGraphicFramePr>
-            <a:graphicFrameLocks noChangeAspect="1"/>
-          </p:cNvGraphicFramePr>
-          <p:nvPr>
-            <p:extLst>
-              <p:ext uri="{D42A27DB-BD31-4B8C-83A1-F6EECF244321}">
-                <p14:modId xmlns:p14="http://schemas.microsoft.com/office/powerpoint/2010/main" val="4233331471"/>
-              </p:ext>
-            </p:extLst>
-          </p:nvPr>
-        </p:nvGraphicFramePr>
-        <p:xfrm>
-          <a:off x="1935162" y="1371600"/>
-          <a:ext cx="5380038" cy="1209675"/>
-        </p:xfrm>
-        <a:graphic>
-          <a:graphicData uri="http://schemas.openxmlformats.org/presentationml/2006/ole">
-            <mc:AlternateContent xmlns:mc="http://schemas.openxmlformats.org/markup-compatibility/2006">
-              <mc:Choice xmlns:v="urn:schemas-microsoft-com:vml" Requires="v">
-                <p:oleObj spid="_x0000_s15362" name="Equation" r:id="rId3" imgW="1016000" imgH="228600" progId="Equation.DSMT4">
-                  <p:embed/>
-                </p:oleObj>
-              </mc:Choice>
-              <mc:Fallback>
-                <p:oleObj name="Equation" r:id="rId3" imgW="1016000" imgH="228600" progId="Equation.DSMT4">
-                  <p:embed/>
-                  <p:pic>
-                    <p:nvPicPr>
-                      <p:cNvPr id="0" name=""/>
-                      <p:cNvPicPr/>
-                      <p:nvPr/>
-                    </p:nvPicPr>
-                    <p:blipFill>
-                      <a:blip r:embed="rId4"/>
-                      <a:stretch>
-                        <a:fillRect/>
-                      </a:stretch>
-                    </p:blipFill>
-                    <p:spPr>
-                      <a:xfrm>
-                        <a:off x="1935162" y="1371600"/>
-                        <a:ext cx="5380038" cy="1209675"/>
-                      </a:xfrm>
-                      <a:prstGeom prst="rect">
-                        <a:avLst/>
-                      </a:prstGeom>
-                    </p:spPr>
-                  </p:pic>
-                </p:oleObj>
-              </mc:Fallback>
-            </mc:AlternateContent>
-          </a:graphicData>
-        </a:graphic>
-      </p:graphicFrame>
-      <p:sp>
-        <p:nvSpPr>
-          <p:cNvPr id="3" name="TextBox 2"/>
-          <p:cNvSpPr txBox="1"/>
-          <p:nvPr/>
-        </p:nvSpPr>
-        <p:spPr>
-          <a:xfrm>
-            <a:off x="664638" y="2604310"/>
-            <a:ext cx="8020044" cy="3046988"/>
-          </a:xfrm>
-          <a:prstGeom prst="rect">
-            <a:avLst/>
-          </a:prstGeom>
-          <a:noFill/>
-        </p:spPr>
-        <p:txBody>
-          <a:bodyPr wrap="none" rtlCol="0">
-            <a:spAutoFit/>
-          </a:bodyPr>
-          <a:lstStyle/>
-          <a:p>
-            <a:r>
-              <a:rPr lang="en-US" sz="4800" dirty="0" smtClean="0"/>
-              <a:t>end-points of </a:t>
-            </a:r>
-            <a:r>
-              <a:rPr lang="en-US" sz="4800" dirty="0" smtClean="0">
-                <a:solidFill>
-                  <a:srgbClr val="0000E5"/>
-                </a:solidFill>
-              </a:rPr>
-              <a:t>g</a:t>
-            </a:r>
-            <a:r>
-              <a:rPr lang="en-US" sz="4800" dirty="0" smtClean="0"/>
-              <a:t> connected</a:t>
-            </a:r>
-          </a:p>
-          <a:p>
-            <a:r>
-              <a:rPr lang="en-US" sz="4800" dirty="0" smtClean="0"/>
-              <a:t>by </a:t>
-            </a:r>
-            <a:r>
-              <a:rPr lang="en-US" sz="4800" dirty="0" smtClean="0">
-                <a:solidFill>
-                  <a:srgbClr val="008000"/>
-                </a:solidFill>
-              </a:rPr>
-              <a:t>path</a:t>
-            </a:r>
-            <a:r>
-              <a:rPr lang="en-US" sz="4800" dirty="0" smtClean="0">
-                <a:solidFill>
-                  <a:srgbClr val="000000"/>
-                </a:solidFill>
-              </a:rPr>
-              <a:t>, so</a:t>
-            </a:r>
-            <a:r>
-              <a:rPr lang="en-US" sz="4800" dirty="0" smtClean="0">
-                <a:solidFill>
-                  <a:srgbClr val="008000"/>
-                </a:solidFill>
-              </a:rPr>
-              <a:t> D </a:t>
-            </a:r>
-            <a:r>
-              <a:rPr lang="en-US" sz="4800" dirty="0" smtClean="0"/>
-              <a:t>is connected.</a:t>
-            </a:r>
-          </a:p>
-          <a:p>
-            <a:r>
-              <a:rPr lang="en-US" sz="4800" b="1" dirty="0" smtClean="0">
-                <a:ln w="12700">
-                  <a:solidFill>
-                    <a:schemeClr val="tx2">
-                      <a:satMod val="155000"/>
-                    </a:schemeClr>
-                  </a:solidFill>
-                  <a:prstDash val="solid"/>
-                </a:ln>
-                <a:solidFill>
-                  <a:schemeClr val="bg2">
-                    <a:tint val="85000"/>
-                    <a:satMod val="155000"/>
-                  </a:schemeClr>
-                </a:solidFill>
-                <a:effectLst>
-                  <a:outerShdw blurRad="41275" dist="20320" dir="1800000" algn="tl" rotWithShape="0">
-                    <a:srgbClr val="000000">
-                      <a:alpha val="40000"/>
-                    </a:srgbClr>
-                  </a:outerShdw>
-                </a:effectLst>
-              </a:rPr>
-              <a:t>gray</a:t>
-            </a:r>
-            <a:r>
-              <a:rPr lang="en-US" sz="4800" dirty="0" smtClean="0">
-                <a:solidFill>
-                  <a:srgbClr val="000000"/>
-                </a:solidFill>
-              </a:rPr>
-              <a:t> edge</a:t>
-            </a:r>
-            <a:r>
-              <a:rPr lang="en-US" sz="4800" dirty="0" smtClean="0">
-                <a:solidFill>
-                  <a:schemeClr val="accent1">
-                    <a:lumMod val="50000"/>
-                  </a:schemeClr>
-                </a:solidFill>
-              </a:rPr>
-              <a:t> g</a:t>
-            </a:r>
-            <a:r>
-              <a:rPr lang="en-US" sz="4800" dirty="0" smtClean="0"/>
-              <a:t> not an </a:t>
-            </a:r>
-            <a:r>
-              <a:rPr lang="en-US" sz="4800" dirty="0" smtClean="0">
-                <a:solidFill>
-                  <a:srgbClr val="FF00FF"/>
-                </a:solidFill>
-              </a:rPr>
-              <a:t>S</a:t>
-            </a:r>
-            <a:r>
-              <a:rPr lang="en-US" sz="4800" dirty="0" smtClean="0"/>
-              <a:t>-edge</a:t>
-            </a:r>
-          </a:p>
-          <a:p>
-            <a:r>
-              <a:rPr lang="en-US" sz="4800" dirty="0" smtClean="0"/>
-              <a:t>so </a:t>
-            </a:r>
-            <a:r>
-              <a:rPr lang="en-US" sz="4800" dirty="0" smtClean="0">
-                <a:solidFill>
-                  <a:srgbClr val="FF00FF"/>
-                </a:solidFill>
-              </a:rPr>
-              <a:t>S</a:t>
-            </a:r>
-            <a:r>
-              <a:rPr lang="en-US" sz="4800" dirty="0" smtClean="0"/>
-              <a:t> remains a subset of</a:t>
-            </a:r>
-            <a:r>
-              <a:rPr lang="en-US" sz="4800" dirty="0" smtClean="0">
-                <a:solidFill>
-                  <a:srgbClr val="008000"/>
-                </a:solidFill>
-              </a:rPr>
-              <a:t> D</a:t>
-            </a:r>
-            <a:r>
-              <a:rPr lang="en-US" sz="4800" dirty="0"/>
-              <a:t>.</a:t>
-            </a:r>
-            <a:endParaRPr lang="en-US" sz="4800" dirty="0">
-              <a:solidFill>
-                <a:srgbClr val="008000"/>
-              </a:solidFill>
-            </a:endParaRPr>
-          </a:p>
-        </p:txBody>
-      </p:sp>
-    </p:spTree>
-    <p:extLst>
-      <p:ext uri="{BB962C8B-B14F-4D97-AF65-F5344CB8AC3E}">
-        <p14:creationId xmlns:p14="http://schemas.microsoft.com/office/powerpoint/2010/main" val="821269568"/>
-      </p:ext>
-    </p:extLst>
-  </p:cSld>
-  <p:clrMapOvr>
-    <a:masterClrMapping/>
-  </p:clrMapOvr>
-  <mc:AlternateContent xmlns:mc="http://schemas.openxmlformats.org/markup-compatibility/2006">
-    <mc:Choice xmlns:p14="http://schemas.microsoft.com/office/powerpoint/2010/main" Requires="p14">
-      <p:transition p14:dur="0" advClick="0"/>
-    </mc:Choice>
-    <mc:Fallback>
-      <p:transition xmlns:p14="http://schemas.microsoft.com/office/powerpoint/2010/main" advClick="0"/>
-    </mc:Fallback>
-  </mc:AlternateContent>
-  <p:timing>
-    <p:tnLst>
-      <p:par>
-        <p:cTn xmlns:p14="http://schemas.microsoft.com/office/powerpoint/2010/main" id="1" dur="indefinite" restart="never" nodeType="tmRoot">
-          <p:childTnLst>
-            <p:seq concurrent="1" nextAc="seek">
-              <p:cTn id="2" dur="indefinite" nodeType="mainSeq">
-                <p:childTnLst>
-                  <p:par>
-                    <p:cTn id="3" fill="hold">
-                      <p:stCondLst>
-                        <p:cond delay="indefinite"/>
-                        <p:cond evt="onBegin" delay="0">
-                          <p:tn val="2"/>
-                        </p:cond>
-                      </p:stCondLst>
-                      <p:childTnLst>
-                        <p:par>
-                          <p:cTn id="4" fill="hold">
-                            <p:stCondLst>
-                              <p:cond delay="0"/>
-                            </p:stCondLst>
-                            <p:childTnLst>
-                              <p:par>
-                                <p:cTn id="5" presetID="10" presetClass="entr" presetSubtype="0" fill="hold" nodeType="withEffect">
-                                  <p:stCondLst>
-                                    <p:cond delay="0"/>
-                                  </p:stCondLst>
-                                  <p:childTnLst>
-                                    <p:set>
-                                      <p:cBhvr>
-                                        <p:cTn id="6" dur="1" fill="hold">
-                                          <p:stCondLst>
-                                            <p:cond delay="0"/>
-                                          </p:stCondLst>
-                                        </p:cTn>
-                                        <p:tgtEl>
-                                          <p:spTgt spid="3">
-                                            <p:txEl>
-                                              <p:pRg st="1" end="1"/>
-                                            </p:txEl>
-                                          </p:spTgt>
-                                        </p:tgtEl>
-                                        <p:attrNameLst>
-                                          <p:attrName>style.visibility</p:attrName>
-                                        </p:attrNameLst>
-                                      </p:cBhvr>
-                                      <p:to>
-                                        <p:strVal val="visible"/>
-                                      </p:to>
-                                    </p:set>
-                                    <p:animEffect transition="in" filter="fade">
-                                      <p:cBhvr>
-                                        <p:cTn id="7" dur="500"/>
-                                        <p:tgtEl>
-                                          <p:spTgt spid="3">
-                                            <p:txEl>
-                                              <p:pRg st="1" end="1"/>
-                                            </p:txEl>
-                                          </p:spTgt>
-                                        </p:tgtEl>
-                                      </p:cBhvr>
-                                    </p:animEffect>
-                                  </p:childTnLst>
-                                </p:cTn>
-                              </p:par>
-                            </p:childTnLst>
-                          </p:cTn>
-                        </p:par>
-                      </p:childTnLst>
-                    </p:cTn>
-                  </p:par>
-                  <p:par>
-                    <p:cTn id="8" fill="hold">
-                      <p:stCondLst>
-                        <p:cond delay="indefinite"/>
-                      </p:stCondLst>
-                      <p:childTnLst>
-                        <p:par>
-                          <p:cTn id="9" fill="hold">
-                            <p:stCondLst>
-                              <p:cond delay="0"/>
-                            </p:stCondLst>
-                            <p:childTnLst>
-                              <p:par>
-                                <p:cTn id="10" presetID="10" presetClass="entr" presetSubtype="0" fill="hold" nodeType="clickEffect">
-                                  <p:stCondLst>
-                                    <p:cond delay="0"/>
-                                  </p:stCondLst>
-                                  <p:childTnLst>
-                                    <p:set>
-                                      <p:cBhvr>
-                                        <p:cTn id="11" dur="1" fill="hold">
-                                          <p:stCondLst>
-                                            <p:cond delay="0"/>
-                                          </p:stCondLst>
-                                        </p:cTn>
-                                        <p:tgtEl>
-                                          <p:spTgt spid="3">
-                                            <p:txEl>
-                                              <p:pRg st="2" end="2"/>
-                                            </p:txEl>
-                                          </p:spTgt>
-                                        </p:tgtEl>
-                                        <p:attrNameLst>
-                                          <p:attrName>style.visibility</p:attrName>
-                                        </p:attrNameLst>
-                                      </p:cBhvr>
-                                      <p:to>
-                                        <p:strVal val="visible"/>
-                                      </p:to>
-                                    </p:set>
-                                    <p:animEffect transition="in" filter="fade">
-                                      <p:cBhvr>
-                                        <p:cTn id="12" dur="500"/>
-                                        <p:tgtEl>
-                                          <p:spTgt spid="3">
-                                            <p:txEl>
-                                              <p:pRg st="2" end="2"/>
-                                            </p:txEl>
-                                          </p:spTgt>
-                                        </p:tgtEl>
-                                      </p:cBhvr>
-                                    </p:animEffect>
-                                  </p:childTnLst>
-                                </p:cTn>
-                              </p:par>
-                            </p:childTnLst>
-                          </p:cTn>
-                        </p:par>
-                      </p:childTnLst>
-                    </p:cTn>
-                  </p:par>
-                  <p:par>
-                    <p:cTn id="13" fill="hold">
-                      <p:stCondLst>
-                        <p:cond delay="indefinite"/>
-                      </p:stCondLst>
-                      <p:childTnLst>
-                        <p:par>
-                          <p:cTn id="14" fill="hold">
-                            <p:stCondLst>
-                              <p:cond delay="0"/>
-                            </p:stCondLst>
-                            <p:childTnLst>
-                              <p:par>
-                                <p:cTn id="15" presetID="10" presetClass="entr" presetSubtype="0" fill="hold" nodeType="clickEffect">
-                                  <p:stCondLst>
-                                    <p:cond delay="0"/>
-                                  </p:stCondLst>
-                                  <p:childTnLst>
-                                    <p:set>
-                                      <p:cBhvr>
-                                        <p:cTn id="16" dur="1" fill="hold">
-                                          <p:stCondLst>
-                                            <p:cond delay="0"/>
-                                          </p:stCondLst>
-                                        </p:cTn>
-                                        <p:tgtEl>
-                                          <p:spTgt spid="3">
-                                            <p:txEl>
-                                              <p:pRg st="3" end="3"/>
-                                            </p:txEl>
-                                          </p:spTgt>
-                                        </p:tgtEl>
-                                        <p:attrNameLst>
-                                          <p:attrName>style.visibility</p:attrName>
-                                        </p:attrNameLst>
-                                      </p:cBhvr>
-                                      <p:to>
-                                        <p:strVal val="visible"/>
-                                      </p:to>
-                                    </p:set>
-                                    <p:animEffect transition="in" filter="fade">
-                                      <p:cBhvr>
-                                        <p:cTn id="17" dur="500"/>
                                         <p:tgtEl>
                                           <p:spTgt spid="3">
                                             <p:txEl>
@@ -11399,7 +10826,7 @@
 </p:sld>
 </file>
 
-<file path=ppt/slides/slide16.xml><?xml version="1.0" encoding="utf-8"?>
+<file path=ppt/slides/slide15.xml><?xml version="1.0" encoding="utf-8"?>
 <p:sld xmlns:a="http://schemas.openxmlformats.org/drawingml/2006/main" xmlns:r="http://schemas.openxmlformats.org/officeDocument/2006/relationships" xmlns:p="http://schemas.openxmlformats.org/presentationml/2006/main">
   <p:cSld>
     <p:spTree>
@@ -11443,7 +10870,7 @@
               <a:pPr>
                 <a:defRPr/>
               </a:pPr>
-              <a:t>16</a:t>
+              <a:t>15</a:t>
             </a:fld>
             <a:endParaRPr lang="en-US" dirty="0"/>
           </a:p>
@@ -11529,7 +10956,7 @@
           <a:graphicData uri="http://schemas.openxmlformats.org/presentationml/2006/ole">
             <mc:AlternateContent xmlns:mc="http://schemas.openxmlformats.org/markup-compatibility/2006">
               <mc:Choice xmlns:v="urn:schemas-microsoft-com:vml" Requires="v">
-                <p:oleObj spid="_x0000_s14346" name="Equation" r:id="rId3" imgW="1016000" imgH="228600" progId="Equation.DSMT4">
+                <p:oleObj spid="_x0000_s14354" name="Equation" r:id="rId3" imgW="1016000" imgH="228600" progId="Equation.DSMT4">
                   <p:embed/>
                 </p:oleObj>
               </mc:Choice>
@@ -12147,7 +11574,2420 @@
 </p:sld>
 </file>
 
+<file path=ppt/slides/slide16.xml><?xml version="1.0" encoding="utf-8"?>
+<p:sld xmlns:a="http://schemas.openxmlformats.org/drawingml/2006/main" xmlns:r="http://schemas.openxmlformats.org/officeDocument/2006/relationships" xmlns:p="http://schemas.openxmlformats.org/presentationml/2006/main">
+  <p:cSld>
+    <p:spTree>
+      <p:nvGrpSpPr>
+        <p:cNvPr id="1" name=""/>
+        <p:cNvGrpSpPr/>
+        <p:nvPr/>
+      </p:nvGrpSpPr>
+      <p:grpSpPr>
+        <a:xfrm>
+          <a:off x="0" y="0"/>
+          <a:ext cx="0" cy="0"/>
+          <a:chOff x="0" y="0"/>
+          <a:chExt cx="0" cy="0"/>
+        </a:xfrm>
+      </p:grpSpPr>
+      <p:sp>
+        <p:nvSpPr>
+          <p:cNvPr id="2" name="Title 1"/>
+          <p:cNvSpPr>
+            <a:spLocks noGrp="1"/>
+          </p:cNvSpPr>
+          <p:nvPr>
+            <p:ph type="title"/>
+          </p:nvPr>
+        </p:nvSpPr>
+        <p:spPr/>
+        <p:txBody>
+          <a:bodyPr/>
+          <a:lstStyle/>
+          <a:p>
+            <a:r>
+              <a:rPr lang="en-US" dirty="0" smtClean="0"/>
+              <a:t>Gray Edge constructio</a:t>
+            </a:r>
+            <a:r>
+              <a:rPr lang="en-US" dirty="0"/>
+              <a:t>n</a:t>
+            </a:r>
+          </a:p>
+        </p:txBody>
+      </p:sp>
+      <p:sp>
+        <p:nvSpPr>
+          <p:cNvPr id="3" name="Content Placeholder 2"/>
+          <p:cNvSpPr>
+            <a:spLocks noGrp="1"/>
+          </p:cNvSpPr>
+          <p:nvPr>
+            <p:ph idx="1"/>
+          </p:nvPr>
+        </p:nvSpPr>
+        <p:spPr>
+          <a:xfrm>
+            <a:off x="228600" y="1447800"/>
+            <a:ext cx="8686800" cy="4191000"/>
+          </a:xfrm>
+        </p:spPr>
+        <p:txBody>
+          <a:bodyPr/>
+          <a:lstStyle/>
+          <a:p>
+            <a:r>
+              <a:rPr lang="en-US" sz="4400" dirty="0" smtClean="0"/>
+              <a:t>Build tree from successive gray</a:t>
+            </a:r>
+          </a:p>
+          <a:p>
+            <a:r>
+              <a:rPr lang="en-US" sz="4400" dirty="0" smtClean="0"/>
+              <a:t>edges by </a:t>
+            </a:r>
+            <a:r>
+              <a:rPr lang="en-US" sz="4400" dirty="0" smtClean="0">
+                <a:solidFill>
+                  <a:srgbClr val="930093"/>
+                </a:solidFill>
+              </a:rPr>
+              <a:t>mono-coloring</a:t>
+            </a:r>
+            <a:r>
+              <a:rPr lang="en-US" sz="4400" dirty="0" smtClean="0"/>
+              <a:t> each </a:t>
+            </a:r>
+          </a:p>
+          <a:p>
+            <a:r>
+              <a:rPr lang="en-US" sz="4400" dirty="0" smtClean="0"/>
+              <a:t>connected component.</a:t>
+            </a:r>
+          </a:p>
+          <a:p>
+            <a:r>
+              <a:rPr lang="en-US" sz="4400" dirty="0" smtClean="0"/>
+              <a:t>So gray edges are not yet in any</a:t>
+            </a:r>
+          </a:p>
+          <a:p>
+            <a:r>
+              <a:rPr lang="en-US" sz="4400" dirty="0" smtClean="0"/>
+              <a:t>component. </a:t>
+            </a:r>
+            <a:endParaRPr lang="en-US" sz="4400" dirty="0"/>
+          </a:p>
+        </p:txBody>
+      </p:sp>
+      <p:sp>
+        <p:nvSpPr>
+          <p:cNvPr id="4" name="Slide Number Placeholder 3"/>
+          <p:cNvSpPr>
+            <a:spLocks noGrp="1"/>
+          </p:cNvSpPr>
+          <p:nvPr>
+            <p:ph type="sldNum" sz="quarter" idx="4"/>
+          </p:nvPr>
+        </p:nvSpPr>
+        <p:spPr/>
+        <p:txBody>
+          <a:bodyPr/>
+          <a:lstStyle/>
+          <a:p>
+            <a:pPr>
+              <a:defRPr/>
+            </a:pPr>
+            <a:r>
+              <a:rPr lang="en-US" smtClean="0"/>
+              <a:t>connected.</a:t>
+            </a:r>
+            <a:fld id="{D7F2FC53-1536-41A9-A9C1-2199CF803E30}" type="slidenum">
+              <a:rPr lang="en-US" smtClean="0"/>
+              <a:pPr>
+                <a:defRPr/>
+              </a:pPr>
+              <a:t>16</a:t>
+            </a:fld>
+            <a:endParaRPr lang="en-US" dirty="0"/>
+          </a:p>
+        </p:txBody>
+      </p:sp>
+    </p:spTree>
+    <p:extLst>
+      <p:ext uri="{BB962C8B-B14F-4D97-AF65-F5344CB8AC3E}">
+        <p14:creationId xmlns:p14="http://schemas.microsoft.com/office/powerpoint/2010/main" val="101057075"/>
+      </p:ext>
+    </p:extLst>
+  </p:cSld>
+  <p:clrMapOvr>
+    <a:masterClrMapping/>
+  </p:clrMapOvr>
+  <p:transition xmlns:p14="http://schemas.microsoft.com/office/powerpoint/2010/main" spd="slow" advClick="0">
+    <p:fade thruBlk="1"/>
+  </p:transition>
+  <p:timing>
+    <p:tnLst>
+      <p:par>
+        <p:cTn xmlns:p14="http://schemas.microsoft.com/office/powerpoint/2010/main" id="1" dur="indefinite" restart="never" nodeType="tmRoot">
+          <p:childTnLst>
+            <p:seq concurrent="1" nextAc="seek">
+              <p:cTn id="2" dur="indefinite" nodeType="mainSeq">
+                <p:childTnLst>
+                  <p:par>
+                    <p:cTn id="3" fill="hold">
+                      <p:stCondLst>
+                        <p:cond delay="indefinite"/>
+                      </p:stCondLst>
+                      <p:childTnLst>
+                        <p:par>
+                          <p:cTn id="4" fill="hold">
+                            <p:stCondLst>
+                              <p:cond delay="0"/>
+                            </p:stCondLst>
+                            <p:childTnLst>
+                              <p:par>
+                                <p:cTn id="5" presetID="10" presetClass="entr" presetSubtype="0" fill="hold" nodeType="clickEffect">
+                                  <p:stCondLst>
+                                    <p:cond delay="0"/>
+                                  </p:stCondLst>
+                                  <p:childTnLst>
+                                    <p:set>
+                                      <p:cBhvr>
+                                        <p:cTn id="6" dur="1" fill="hold">
+                                          <p:stCondLst>
+                                            <p:cond delay="0"/>
+                                          </p:stCondLst>
+                                        </p:cTn>
+                                        <p:tgtEl>
+                                          <p:spTgt spid="3">
+                                            <p:txEl>
+                                              <p:pRg st="3" end="3"/>
+                                            </p:txEl>
+                                          </p:spTgt>
+                                        </p:tgtEl>
+                                        <p:attrNameLst>
+                                          <p:attrName>style.visibility</p:attrName>
+                                        </p:attrNameLst>
+                                      </p:cBhvr>
+                                      <p:to>
+                                        <p:strVal val="visible"/>
+                                      </p:to>
+                                    </p:set>
+                                    <p:animEffect transition="in" filter="fade">
+                                      <p:cBhvr>
+                                        <p:cTn id="7" dur="500"/>
+                                        <p:tgtEl>
+                                          <p:spTgt spid="3">
+                                            <p:txEl>
+                                              <p:pRg st="3" end="3"/>
+                                            </p:txEl>
+                                          </p:spTgt>
+                                        </p:tgtEl>
+                                      </p:cBhvr>
+                                    </p:animEffect>
+                                  </p:childTnLst>
+                                </p:cTn>
+                              </p:par>
+                              <p:par>
+                                <p:cTn id="8" presetID="10" presetClass="entr" presetSubtype="0" fill="hold" nodeType="withEffect">
+                                  <p:stCondLst>
+                                    <p:cond delay="0"/>
+                                  </p:stCondLst>
+                                  <p:childTnLst>
+                                    <p:set>
+                                      <p:cBhvr>
+                                        <p:cTn id="9" dur="1" fill="hold">
+                                          <p:stCondLst>
+                                            <p:cond delay="0"/>
+                                          </p:stCondLst>
+                                        </p:cTn>
+                                        <p:tgtEl>
+                                          <p:spTgt spid="3">
+                                            <p:txEl>
+                                              <p:pRg st="4" end="4"/>
+                                            </p:txEl>
+                                          </p:spTgt>
+                                        </p:tgtEl>
+                                        <p:attrNameLst>
+                                          <p:attrName>style.visibility</p:attrName>
+                                        </p:attrNameLst>
+                                      </p:cBhvr>
+                                      <p:to>
+                                        <p:strVal val="visible"/>
+                                      </p:to>
+                                    </p:set>
+                                    <p:animEffect transition="in" filter="fade">
+                                      <p:cBhvr>
+                                        <p:cTn id="10" dur="500"/>
+                                        <p:tgtEl>
+                                          <p:spTgt spid="3">
+                                            <p:txEl>
+                                              <p:pRg st="4" end="4"/>
+                                            </p:txEl>
+                                          </p:spTgt>
+                                        </p:tgtEl>
+                                      </p:cBhvr>
+                                    </p:animEffect>
+                                  </p:childTnLst>
+                                </p:cTn>
+                              </p:par>
+                            </p:childTnLst>
+                          </p:cTn>
+                        </p:par>
+                      </p:childTnLst>
+                    </p:cTn>
+                  </p:par>
+                </p:childTnLst>
+              </p:cTn>
+              <p:prevCondLst>
+                <p:cond evt="onPrev" delay="0">
+                  <p:tgtEl>
+                    <p:sldTgt/>
+                  </p:tgtEl>
+                </p:cond>
+              </p:prevCondLst>
+              <p:nextCondLst>
+                <p:cond evt="onNext" delay="0">
+                  <p:tgtEl>
+                    <p:sldTgt/>
+                  </p:tgtEl>
+                </p:cond>
+              </p:nextCondLst>
+            </p:seq>
+          </p:childTnLst>
+        </p:cTn>
+      </p:par>
+    </p:tnLst>
+  </p:timing>
+</p:sld>
+</file>
+
 <file path=ppt/slides/slide17.xml><?xml version="1.0" encoding="utf-8"?>
+<p:sld xmlns:a="http://schemas.openxmlformats.org/drawingml/2006/main" xmlns:r="http://schemas.openxmlformats.org/officeDocument/2006/relationships" xmlns:p="http://schemas.openxmlformats.org/presentationml/2006/main">
+  <p:cSld>
+    <p:spTree>
+      <p:nvGrpSpPr>
+        <p:cNvPr id="1" name=""/>
+        <p:cNvGrpSpPr/>
+        <p:nvPr/>
+      </p:nvGrpSpPr>
+      <p:grpSpPr>
+        <a:xfrm>
+          <a:off x="0" y="0"/>
+          <a:ext cx="0" cy="0"/>
+          <a:chOff x="0" y="0"/>
+          <a:chExt cx="0" cy="0"/>
+        </a:xfrm>
+      </p:grpSpPr>
+      <p:sp>
+        <p:nvSpPr>
+          <p:cNvPr id="2" name="Title 1"/>
+          <p:cNvSpPr>
+            <a:spLocks noGrp="1"/>
+          </p:cNvSpPr>
+          <p:nvPr>
+            <p:ph type="title"/>
+          </p:nvPr>
+        </p:nvSpPr>
+        <p:spPr>
+          <a:xfrm>
+            <a:off x="1219200" y="152400"/>
+            <a:ext cx="7848600" cy="1371600"/>
+          </a:xfrm>
+        </p:spPr>
+        <p:txBody>
+          <a:bodyPr/>
+          <a:lstStyle/>
+          <a:p>
+            <a:r>
+              <a:rPr lang="en-US" sz="4000" dirty="0" smtClean="0">
+                <a:solidFill>
+                  <a:schemeClr val="tx1"/>
+                </a:solidFill>
+              </a:rPr>
+              <a:t>M</a:t>
+            </a:r>
+            <a:r>
+              <a:rPr lang="en-US" sz="4000" dirty="0" smtClean="0"/>
+              <a:t>in-weight gray </a:t>
+            </a:r>
+            <a:r>
+              <a:rPr lang="en-US" sz="4000" dirty="0" smtClean="0">
+                <a:solidFill>
+                  <a:srgbClr val="008000"/>
+                </a:solidFill>
+              </a:rPr>
+              <a:t>sufficient</a:t>
+            </a:r>
+            <a:r>
+              <a:rPr lang="en-US" sz="4000" dirty="0" smtClean="0"/>
+              <a:t> </a:t>
+            </a:r>
+            <a:endParaRPr lang="en-US" sz="4000" dirty="0"/>
+          </a:p>
+        </p:txBody>
+      </p:sp>
+      <p:sp>
+        <p:nvSpPr>
+          <p:cNvPr id="3" name="Content Placeholder 2"/>
+          <p:cNvSpPr>
+            <a:spLocks noGrp="1"/>
+          </p:cNvSpPr>
+          <p:nvPr>
+            <p:ph idx="1"/>
+          </p:nvPr>
+        </p:nvSpPr>
+        <p:spPr>
+          <a:xfrm>
+            <a:off x="228600" y="1524000"/>
+            <a:ext cx="8686800" cy="4648200"/>
+          </a:xfrm>
+        </p:spPr>
+        <p:txBody>
+          <a:bodyPr/>
+          <a:lstStyle/>
+          <a:p>
+            <a:r>
+              <a:rPr lang="en-US" dirty="0" smtClean="0">
+                <a:solidFill>
+                  <a:srgbClr val="A52174"/>
+                </a:solidFill>
+              </a:rPr>
+              <a:t>Corollary: </a:t>
+            </a:r>
+            <a:r>
+              <a:rPr lang="en-US" sz="4800" dirty="0" smtClean="0"/>
+              <a:t>There is an MST</a:t>
+            </a:r>
+          </a:p>
+          <a:p>
+            <a:r>
+              <a:rPr lang="en-US" sz="4800" dirty="0" smtClean="0"/>
+              <a:t>with </a:t>
+            </a:r>
+            <a:r>
+              <a:rPr lang="en-US" sz="4800" dirty="0" smtClean="0">
+                <a:solidFill>
+                  <a:srgbClr val="008000"/>
+                </a:solidFill>
+              </a:rPr>
+              <a:t>every </a:t>
+            </a:r>
+            <a:r>
+              <a:rPr lang="en-US" sz="4800" dirty="0" smtClean="0"/>
+              <a:t>edge a </a:t>
+            </a:r>
+            <a:r>
+              <a:rPr lang="en-US" sz="4800" dirty="0" smtClean="0">
+                <a:solidFill>
+                  <a:schemeClr val="accent1">
+                    <a:lumMod val="50000"/>
+                  </a:schemeClr>
+                </a:solidFill>
+              </a:rPr>
+              <a:t>min-weight</a:t>
+            </a:r>
+          </a:p>
+          <a:p>
+            <a:r>
+              <a:rPr lang="en-US" sz="4800" dirty="0" smtClean="0">
+                <a:solidFill>
+                  <a:schemeClr val="accent1">
+                    <a:lumMod val="50000"/>
+                  </a:schemeClr>
+                </a:solidFill>
+              </a:rPr>
+              <a:t>gray edge</a:t>
+            </a:r>
+            <a:endParaRPr lang="en-US" sz="4800" dirty="0"/>
+          </a:p>
+        </p:txBody>
+      </p:sp>
+      <p:sp>
+        <p:nvSpPr>
+          <p:cNvPr id="4" name="Slide Number Placeholder 3"/>
+          <p:cNvSpPr>
+            <a:spLocks noGrp="1"/>
+          </p:cNvSpPr>
+          <p:nvPr>
+            <p:ph type="sldNum" sz="quarter" idx="4"/>
+          </p:nvPr>
+        </p:nvSpPr>
+        <p:spPr/>
+        <p:txBody>
+          <a:bodyPr/>
+          <a:lstStyle/>
+          <a:p>
+            <a:pPr>
+              <a:defRPr/>
+            </a:pPr>
+            <a:r>
+              <a:rPr lang="en-US" smtClean="0"/>
+              <a:t>connected.</a:t>
+            </a:r>
+            <a:fld id="{D7F2FC53-1536-41A9-A9C1-2199CF803E30}" type="slidenum">
+              <a:rPr lang="en-US" smtClean="0"/>
+              <a:pPr>
+                <a:defRPr/>
+              </a:pPr>
+              <a:t>17</a:t>
+            </a:fld>
+            <a:endParaRPr lang="en-US" dirty="0"/>
+          </a:p>
+        </p:txBody>
+      </p:sp>
+    </p:spTree>
+    <p:extLst>
+      <p:ext uri="{BB962C8B-B14F-4D97-AF65-F5344CB8AC3E}">
+        <p14:creationId xmlns:p14="http://schemas.microsoft.com/office/powerpoint/2010/main" val="3461891729"/>
+      </p:ext>
+    </p:extLst>
+  </p:cSld>
+  <p:clrMapOvr>
+    <a:masterClrMapping/>
+  </p:clrMapOvr>
+  <mc:AlternateContent xmlns:mc="http://schemas.openxmlformats.org/markup-compatibility/2006">
+    <mc:Choice xmlns:p14="http://schemas.microsoft.com/office/powerpoint/2010/main" Requires="p14">
+      <p:transition spd="med" p14:dur="600" advClick="0">
+        <p:fade/>
+      </p:transition>
+    </mc:Choice>
+    <mc:Fallback>
+      <p:transition xmlns:p14="http://schemas.microsoft.com/office/powerpoint/2010/main" spd="med" advClick="0">
+        <p:fade/>
+      </p:transition>
+    </mc:Fallback>
+  </mc:AlternateContent>
+  <p:timing>
+    <p:tnLst>
+      <p:par>
+        <p:cTn xmlns:p14="http://schemas.microsoft.com/office/powerpoint/2010/main" id="1" dur="indefinite" restart="never" nodeType="tmRoot"/>
+      </p:par>
+    </p:tnLst>
+  </p:timing>
+</p:sld>
+</file>
+
+<file path=ppt/slides/slide18.xml><?xml version="1.0" encoding="utf-8"?>
+<p:sld xmlns:a="http://schemas.openxmlformats.org/drawingml/2006/main" xmlns:r="http://schemas.openxmlformats.org/officeDocument/2006/relationships" xmlns:p="http://schemas.openxmlformats.org/presentationml/2006/main">
+  <p:cSld>
+    <p:spTree>
+      <p:nvGrpSpPr>
+        <p:cNvPr id="1" name=""/>
+        <p:cNvGrpSpPr/>
+        <p:nvPr/>
+      </p:nvGrpSpPr>
+      <p:grpSpPr>
+        <a:xfrm>
+          <a:off x="0" y="0"/>
+          <a:ext cx="0" cy="0"/>
+          <a:chOff x="0" y="0"/>
+          <a:chExt cx="0" cy="0"/>
+        </a:xfrm>
+      </p:grpSpPr>
+      <p:sp>
+        <p:nvSpPr>
+          <p:cNvPr id="2" name="Title 1"/>
+          <p:cNvSpPr>
+            <a:spLocks noGrp="1"/>
+          </p:cNvSpPr>
+          <p:nvPr>
+            <p:ph type="title"/>
+          </p:nvPr>
+        </p:nvSpPr>
+        <p:spPr>
+          <a:xfrm>
+            <a:off x="1219200" y="152400"/>
+            <a:ext cx="7848600" cy="1371600"/>
+          </a:xfrm>
+        </p:spPr>
+        <p:txBody>
+          <a:bodyPr/>
+          <a:lstStyle/>
+          <a:p>
+            <a:r>
+              <a:rPr lang="en-US" sz="4000" dirty="0" smtClean="0">
+                <a:solidFill>
+                  <a:schemeClr val="tx1"/>
+                </a:solidFill>
+              </a:rPr>
+              <a:t>M</a:t>
+            </a:r>
+            <a:r>
+              <a:rPr lang="en-US" sz="4000" dirty="0" smtClean="0"/>
+              <a:t>in-weight gray </a:t>
+            </a:r>
+            <a:r>
+              <a:rPr lang="en-US" sz="4000" dirty="0" smtClean="0">
+                <a:solidFill>
+                  <a:srgbClr val="008000"/>
+                </a:solidFill>
+              </a:rPr>
+              <a:t>sufficient</a:t>
+            </a:r>
+            <a:r>
+              <a:rPr lang="en-US" sz="4000" dirty="0" smtClean="0"/>
+              <a:t> </a:t>
+            </a:r>
+            <a:endParaRPr lang="en-US" sz="4000" dirty="0"/>
+          </a:p>
+        </p:txBody>
+      </p:sp>
+      <p:sp>
+        <p:nvSpPr>
+          <p:cNvPr id="3" name="Content Placeholder 2"/>
+          <p:cNvSpPr>
+            <a:spLocks noGrp="1"/>
+          </p:cNvSpPr>
+          <p:nvPr>
+            <p:ph idx="1"/>
+          </p:nvPr>
+        </p:nvSpPr>
+        <p:spPr>
+          <a:xfrm>
+            <a:off x="228600" y="1524000"/>
+            <a:ext cx="8686800" cy="4648200"/>
+          </a:xfrm>
+        </p:spPr>
+        <p:txBody>
+          <a:bodyPr/>
+          <a:lstStyle/>
+          <a:p>
+            <a:r>
+              <a:rPr lang="en-US" dirty="0" smtClean="0">
+                <a:solidFill>
+                  <a:srgbClr val="A52174"/>
+                </a:solidFill>
+              </a:rPr>
+              <a:t>Corollary: </a:t>
+            </a:r>
+            <a:r>
+              <a:rPr lang="en-US" sz="4800" dirty="0" smtClean="0"/>
+              <a:t>There is an MST</a:t>
+            </a:r>
+          </a:p>
+          <a:p>
+            <a:r>
+              <a:rPr lang="en-US" sz="4800" dirty="0" smtClean="0"/>
+              <a:t>with </a:t>
+            </a:r>
+            <a:r>
+              <a:rPr lang="en-US" sz="4800" dirty="0" smtClean="0">
+                <a:solidFill>
+                  <a:srgbClr val="008000"/>
+                </a:solidFill>
+              </a:rPr>
+              <a:t>every </a:t>
+            </a:r>
+            <a:r>
+              <a:rPr lang="en-US" sz="4800" dirty="0" smtClean="0"/>
+              <a:t>edge a </a:t>
+            </a:r>
+            <a:r>
+              <a:rPr lang="en-US" sz="4800" dirty="0" smtClean="0">
+                <a:solidFill>
+                  <a:schemeClr val="accent1">
+                    <a:lumMod val="50000"/>
+                  </a:schemeClr>
+                </a:solidFill>
+              </a:rPr>
+              <a:t>min-weight</a:t>
+            </a:r>
+          </a:p>
+          <a:p>
+            <a:r>
+              <a:rPr lang="en-US" sz="4800" dirty="0" smtClean="0">
+                <a:solidFill>
+                  <a:schemeClr val="accent1">
+                    <a:lumMod val="50000"/>
+                  </a:schemeClr>
+                </a:solidFill>
+              </a:rPr>
+              <a:t>gray edge</a:t>
+            </a:r>
+            <a:r>
+              <a:rPr lang="en-US" sz="4800" dirty="0" smtClean="0"/>
+              <a:t> (maybe using a</a:t>
+            </a:r>
+          </a:p>
+          <a:p>
+            <a:r>
+              <a:rPr lang="en-US" sz="4800" dirty="0" smtClean="0"/>
+              <a:t>different coloring for each </a:t>
+            </a:r>
+          </a:p>
+          <a:p>
+            <a:r>
+              <a:rPr lang="en-US" sz="4800" dirty="0" smtClean="0"/>
+              <a:t>edge)</a:t>
+            </a:r>
+            <a:endParaRPr lang="en-US" sz="4800" dirty="0"/>
+          </a:p>
+        </p:txBody>
+      </p:sp>
+      <p:sp>
+        <p:nvSpPr>
+          <p:cNvPr id="4" name="Slide Number Placeholder 3"/>
+          <p:cNvSpPr>
+            <a:spLocks noGrp="1"/>
+          </p:cNvSpPr>
+          <p:nvPr>
+            <p:ph type="sldNum" sz="quarter" idx="4"/>
+          </p:nvPr>
+        </p:nvSpPr>
+        <p:spPr/>
+        <p:txBody>
+          <a:bodyPr/>
+          <a:lstStyle/>
+          <a:p>
+            <a:pPr>
+              <a:defRPr/>
+            </a:pPr>
+            <a:r>
+              <a:rPr lang="en-US" smtClean="0"/>
+              <a:t>connected.</a:t>
+            </a:r>
+            <a:fld id="{D7F2FC53-1536-41A9-A9C1-2199CF803E30}" type="slidenum">
+              <a:rPr lang="en-US" smtClean="0"/>
+              <a:pPr>
+                <a:defRPr/>
+              </a:pPr>
+              <a:t>18</a:t>
+            </a:fld>
+            <a:endParaRPr lang="en-US" dirty="0"/>
+          </a:p>
+        </p:txBody>
+      </p:sp>
+    </p:spTree>
+    <p:extLst>
+      <p:ext uri="{BB962C8B-B14F-4D97-AF65-F5344CB8AC3E}">
+        <p14:creationId xmlns:p14="http://schemas.microsoft.com/office/powerpoint/2010/main" val="4276839190"/>
+      </p:ext>
+    </p:extLst>
+  </p:cSld>
+  <p:clrMapOvr>
+    <a:masterClrMapping/>
+  </p:clrMapOvr>
+  <p:transition xmlns:p14="http://schemas.microsoft.com/office/powerpoint/2010/main" advClick="0">
+    <p:fade/>
+  </p:transition>
+  <p:timing>
+    <p:tnLst>
+      <p:par>
+        <p:cTn xmlns:p14="http://schemas.microsoft.com/office/powerpoint/2010/main" id="1" dur="indefinite" restart="never" nodeType="tmRoot"/>
+      </p:par>
+    </p:tnLst>
+  </p:timing>
+</p:sld>
+</file>
+
+<file path=ppt/slides/slide19.xml><?xml version="1.0" encoding="utf-8"?>
+<p:sld xmlns:a="http://schemas.openxmlformats.org/drawingml/2006/main" xmlns:r="http://schemas.openxmlformats.org/officeDocument/2006/relationships" xmlns:p="http://schemas.openxmlformats.org/presentationml/2006/main">
+  <p:cSld>
+    <p:spTree>
+      <p:nvGrpSpPr>
+        <p:cNvPr id="1" name=""/>
+        <p:cNvGrpSpPr/>
+        <p:nvPr/>
+      </p:nvGrpSpPr>
+      <p:grpSpPr>
+        <a:xfrm>
+          <a:off x="0" y="0"/>
+          <a:ext cx="0" cy="0"/>
+          <a:chOff x="0" y="0"/>
+          <a:chExt cx="0" cy="0"/>
+        </a:xfrm>
+      </p:grpSpPr>
+      <p:sp>
+        <p:nvSpPr>
+          <p:cNvPr id="2" name="Title 1"/>
+          <p:cNvSpPr>
+            <a:spLocks noGrp="1"/>
+          </p:cNvSpPr>
+          <p:nvPr>
+            <p:ph type="title"/>
+          </p:nvPr>
+        </p:nvSpPr>
+        <p:spPr>
+          <a:xfrm>
+            <a:off x="1219200" y="152400"/>
+            <a:ext cx="7848600" cy="1371600"/>
+          </a:xfrm>
+        </p:spPr>
+        <p:txBody>
+          <a:bodyPr/>
+          <a:lstStyle/>
+          <a:p>
+            <a:r>
+              <a:rPr lang="en-US" sz="4000" dirty="0" smtClean="0">
+                <a:solidFill>
+                  <a:schemeClr val="tx1"/>
+                </a:solidFill>
+              </a:rPr>
+              <a:t>M</a:t>
+            </a:r>
+            <a:r>
+              <a:rPr lang="en-US" sz="4000" dirty="0" smtClean="0"/>
+              <a:t>in-weight gray </a:t>
+            </a:r>
+            <a:r>
+              <a:rPr lang="en-US" sz="4000" dirty="0" smtClean="0">
+                <a:solidFill>
+                  <a:srgbClr val="008000"/>
+                </a:solidFill>
+              </a:rPr>
+              <a:t>necessary</a:t>
+            </a:r>
+            <a:r>
+              <a:rPr lang="en-US" sz="4000" dirty="0" smtClean="0"/>
+              <a:t> </a:t>
+            </a:r>
+            <a:endParaRPr lang="en-US" sz="4000" dirty="0"/>
+          </a:p>
+        </p:txBody>
+      </p:sp>
+      <p:sp>
+        <p:nvSpPr>
+          <p:cNvPr id="3" name="Content Placeholder 2"/>
+          <p:cNvSpPr>
+            <a:spLocks noGrp="1"/>
+          </p:cNvSpPr>
+          <p:nvPr>
+            <p:ph idx="1"/>
+          </p:nvPr>
+        </p:nvSpPr>
+        <p:spPr>
+          <a:xfrm>
+            <a:off x="228600" y="1676400"/>
+            <a:ext cx="8763000" cy="4495800"/>
+          </a:xfrm>
+        </p:spPr>
+        <p:txBody>
+          <a:bodyPr/>
+          <a:lstStyle/>
+          <a:p>
+            <a:r>
+              <a:rPr lang="en-US" dirty="0" smtClean="0">
+                <a:solidFill>
+                  <a:srgbClr val="A52174"/>
+                </a:solidFill>
+              </a:rPr>
+              <a:t>Corollary: </a:t>
+            </a:r>
+            <a:r>
+              <a:rPr lang="en-US" sz="4800" dirty="0" smtClean="0"/>
+              <a:t>If </a:t>
+            </a:r>
+            <a:r>
+              <a:rPr lang="en-US" sz="4800" dirty="0">
+                <a:solidFill>
+                  <a:srgbClr val="0000F1"/>
+                </a:solidFill>
+              </a:rPr>
+              <a:t>weight (</a:t>
+            </a:r>
+            <a:r>
+              <a:rPr lang="en-US" sz="4800" dirty="0">
+                <a:solidFill>
+                  <a:schemeClr val="accent1">
+                    <a:lumMod val="50000"/>
+                  </a:schemeClr>
+                </a:solidFill>
+              </a:rPr>
+              <a:t>e</a:t>
+            </a:r>
+            <a:r>
+              <a:rPr lang="en-US" sz="4800" dirty="0">
+                <a:solidFill>
+                  <a:srgbClr val="0000F1"/>
+                </a:solidFill>
+              </a:rPr>
+              <a:t>) </a:t>
+            </a:r>
+            <a:r>
+              <a:rPr lang="en-US" sz="4800" dirty="0" smtClean="0">
+                <a:solidFill>
+                  <a:srgbClr val="000000"/>
+                </a:solidFill>
+              </a:rPr>
+              <a:t>differs </a:t>
+            </a:r>
+          </a:p>
+          <a:p>
+            <a:r>
+              <a:rPr lang="en-US" sz="4800" dirty="0" smtClean="0">
+                <a:solidFill>
+                  <a:srgbClr val="000000"/>
+                </a:solidFill>
+              </a:rPr>
+              <a:t>from all other edge weights,</a:t>
+            </a:r>
+          </a:p>
+          <a:p>
+            <a:r>
+              <a:rPr lang="en-US" sz="4800" dirty="0" smtClean="0">
+                <a:solidFill>
+                  <a:srgbClr val="000000"/>
+                </a:solidFill>
+              </a:rPr>
+              <a:t>then </a:t>
+            </a:r>
+            <a:r>
+              <a:rPr lang="en-US" sz="4800" dirty="0" smtClean="0">
+                <a:solidFill>
+                  <a:schemeClr val="accent1">
+                    <a:lumMod val="50000"/>
+                  </a:schemeClr>
+                </a:solidFill>
+              </a:rPr>
+              <a:t>e </a:t>
+            </a:r>
+            <a:r>
+              <a:rPr lang="en-US" sz="4800" dirty="0" smtClean="0"/>
+              <a:t>is a member of </a:t>
+            </a:r>
+            <a:r>
+              <a:rPr lang="en-US" sz="4800" b="1" dirty="0" smtClean="0">
+                <a:solidFill>
+                  <a:srgbClr val="008000"/>
+                </a:solidFill>
+              </a:rPr>
+              <a:t>every</a:t>
+            </a:r>
+          </a:p>
+          <a:p>
+            <a:r>
+              <a:rPr lang="en-US" sz="4800" dirty="0" smtClean="0"/>
+              <a:t>min-weight spanning tree</a:t>
+            </a:r>
+            <a:endParaRPr lang="en-US" sz="4800" dirty="0"/>
+          </a:p>
+        </p:txBody>
+      </p:sp>
+      <p:sp>
+        <p:nvSpPr>
+          <p:cNvPr id="4" name="Slide Number Placeholder 3"/>
+          <p:cNvSpPr>
+            <a:spLocks noGrp="1"/>
+          </p:cNvSpPr>
+          <p:nvPr>
+            <p:ph type="sldNum" sz="quarter" idx="4"/>
+          </p:nvPr>
+        </p:nvSpPr>
+        <p:spPr/>
+        <p:txBody>
+          <a:bodyPr/>
+          <a:lstStyle/>
+          <a:p>
+            <a:pPr>
+              <a:defRPr/>
+            </a:pPr>
+            <a:r>
+              <a:rPr lang="en-US" smtClean="0"/>
+              <a:t>connected.</a:t>
+            </a:r>
+            <a:fld id="{D7F2FC53-1536-41A9-A9C1-2199CF803E30}" type="slidenum">
+              <a:rPr lang="en-US" smtClean="0"/>
+              <a:pPr>
+                <a:defRPr/>
+              </a:pPr>
+              <a:t>19</a:t>
+            </a:fld>
+            <a:endParaRPr lang="en-US" dirty="0"/>
+          </a:p>
+        </p:txBody>
+      </p:sp>
+    </p:spTree>
+    <p:extLst>
+      <p:ext uri="{BB962C8B-B14F-4D97-AF65-F5344CB8AC3E}">
+        <p14:creationId xmlns:p14="http://schemas.microsoft.com/office/powerpoint/2010/main" val="3419625004"/>
+      </p:ext>
+    </p:extLst>
+  </p:cSld>
+  <p:clrMapOvr>
+    <a:masterClrMapping/>
+  </p:clrMapOvr>
+  <p:transition xmlns:p14="http://schemas.microsoft.com/office/powerpoint/2010/main" spd="slow" advClick="0">
+    <p:fade thruBlk="1"/>
+  </p:transition>
+  <p:timing>
+    <p:tnLst>
+      <p:par>
+        <p:cTn xmlns:p14="http://schemas.microsoft.com/office/powerpoint/2010/main" id="1" dur="indefinite" restart="never" nodeType="tmRoot">
+          <p:childTnLst>
+            <p:seq concurrent="1" nextAc="seek">
+              <p:cTn id="2" dur="indefinite" nodeType="mainSeq">
+                <p:childTnLst>
+                  <p:par>
+                    <p:cTn id="3" fill="hold">
+                      <p:stCondLst>
+                        <p:cond delay="indefinite"/>
+                      </p:stCondLst>
+                      <p:childTnLst>
+                        <p:par>
+                          <p:cTn id="4" fill="hold">
+                            <p:stCondLst>
+                              <p:cond delay="0"/>
+                            </p:stCondLst>
+                            <p:childTnLst>
+                              <p:par>
+                                <p:cTn id="5" presetID="10" presetClass="entr" presetSubtype="0" fill="hold" nodeType="clickEffect">
+                                  <p:stCondLst>
+                                    <p:cond delay="0"/>
+                                  </p:stCondLst>
+                                  <p:childTnLst>
+                                    <p:set>
+                                      <p:cBhvr>
+                                        <p:cTn id="6" dur="1" fill="hold">
+                                          <p:stCondLst>
+                                            <p:cond delay="0"/>
+                                          </p:stCondLst>
+                                        </p:cTn>
+                                        <p:tgtEl>
+                                          <p:spTgt spid="3">
+                                            <p:txEl>
+                                              <p:pRg st="2" end="2"/>
+                                            </p:txEl>
+                                          </p:spTgt>
+                                        </p:tgtEl>
+                                        <p:attrNameLst>
+                                          <p:attrName>style.visibility</p:attrName>
+                                        </p:attrNameLst>
+                                      </p:cBhvr>
+                                      <p:to>
+                                        <p:strVal val="visible"/>
+                                      </p:to>
+                                    </p:set>
+                                    <p:animEffect transition="in" filter="fade">
+                                      <p:cBhvr>
+                                        <p:cTn id="7" dur="500"/>
+                                        <p:tgtEl>
+                                          <p:spTgt spid="3">
+                                            <p:txEl>
+                                              <p:pRg st="2" end="2"/>
+                                            </p:txEl>
+                                          </p:spTgt>
+                                        </p:tgtEl>
+                                      </p:cBhvr>
+                                    </p:animEffect>
+                                  </p:childTnLst>
+                                </p:cTn>
+                              </p:par>
+                              <p:par>
+                                <p:cTn id="8" presetID="10" presetClass="entr" presetSubtype="0" fill="hold" nodeType="withEffect">
+                                  <p:stCondLst>
+                                    <p:cond delay="0"/>
+                                  </p:stCondLst>
+                                  <p:childTnLst>
+                                    <p:set>
+                                      <p:cBhvr>
+                                        <p:cTn id="9" dur="1" fill="hold">
+                                          <p:stCondLst>
+                                            <p:cond delay="0"/>
+                                          </p:stCondLst>
+                                        </p:cTn>
+                                        <p:tgtEl>
+                                          <p:spTgt spid="3">
+                                            <p:txEl>
+                                              <p:pRg st="3" end="3"/>
+                                            </p:txEl>
+                                          </p:spTgt>
+                                        </p:tgtEl>
+                                        <p:attrNameLst>
+                                          <p:attrName>style.visibility</p:attrName>
+                                        </p:attrNameLst>
+                                      </p:cBhvr>
+                                      <p:to>
+                                        <p:strVal val="visible"/>
+                                      </p:to>
+                                    </p:set>
+                                    <p:animEffect transition="in" filter="fade">
+                                      <p:cBhvr>
+                                        <p:cTn id="10" dur="500"/>
+                                        <p:tgtEl>
+                                          <p:spTgt spid="3">
+                                            <p:txEl>
+                                              <p:pRg st="3" end="3"/>
+                                            </p:txEl>
+                                          </p:spTgt>
+                                        </p:tgtEl>
+                                      </p:cBhvr>
+                                    </p:animEffect>
+                                  </p:childTnLst>
+                                </p:cTn>
+                              </p:par>
+                            </p:childTnLst>
+                          </p:cTn>
+                        </p:par>
+                      </p:childTnLst>
+                    </p:cTn>
+                  </p:par>
+                </p:childTnLst>
+              </p:cTn>
+              <p:prevCondLst>
+                <p:cond evt="onPrev" delay="0">
+                  <p:tgtEl>
+                    <p:sldTgt/>
+                  </p:tgtEl>
+                </p:cond>
+              </p:prevCondLst>
+              <p:nextCondLst>
+                <p:cond evt="onNext" delay="0">
+                  <p:tgtEl>
+                    <p:sldTgt/>
+                  </p:tgtEl>
+                </p:cond>
+              </p:nextCondLst>
+            </p:seq>
+          </p:childTnLst>
+        </p:cTn>
+      </p:par>
+    </p:tnLst>
+  </p:timing>
+</p:sld>
+</file>
+
+<file path=ppt/slides/slide2.xml><?xml version="1.0" encoding="utf-8"?>
+<p:sld xmlns:a="http://schemas.openxmlformats.org/drawingml/2006/main" xmlns:r="http://schemas.openxmlformats.org/officeDocument/2006/relationships" xmlns:p="http://schemas.openxmlformats.org/presentationml/2006/main">
+  <p:cSld>
+    <p:spTree>
+      <p:nvGrpSpPr>
+        <p:cNvPr id="1" name=""/>
+        <p:cNvGrpSpPr/>
+        <p:nvPr/>
+      </p:nvGrpSpPr>
+      <p:grpSpPr>
+        <a:xfrm>
+          <a:off x="0" y="0"/>
+          <a:ext cx="0" cy="0"/>
+          <a:chOff x="0" y="0"/>
+          <a:chExt cx="0" cy="0"/>
+        </a:xfrm>
+      </p:grpSpPr>
+      <p:sp>
+        <p:nvSpPr>
+          <p:cNvPr id="2" name="Title 1"/>
+          <p:cNvSpPr>
+            <a:spLocks noGrp="1"/>
+          </p:cNvSpPr>
+          <p:nvPr>
+            <p:ph type="title"/>
+          </p:nvPr>
+        </p:nvSpPr>
+        <p:spPr/>
+        <p:txBody>
+          <a:bodyPr/>
+          <a:lstStyle/>
+          <a:p>
+            <a:r>
+              <a:rPr lang="en-US" dirty="0" smtClean="0"/>
+              <a:t>Black-white coloring</a:t>
+            </a:r>
+            <a:endParaRPr lang="en-US" dirty="0">
+              <a:solidFill>
+                <a:srgbClr val="0000E5"/>
+              </a:solidFill>
+            </a:endParaRPr>
+          </a:p>
+        </p:txBody>
+      </p:sp>
+      <p:sp>
+        <p:nvSpPr>
+          <p:cNvPr id="3" name="Content Placeholder 2"/>
+          <p:cNvSpPr>
+            <a:spLocks noGrp="1"/>
+          </p:cNvSpPr>
+          <p:nvPr>
+            <p:ph idx="1"/>
+          </p:nvPr>
+        </p:nvSpPr>
+        <p:spPr>
+          <a:xfrm>
+            <a:off x="457200" y="1447800"/>
+            <a:ext cx="8229600" cy="4953000"/>
+          </a:xfrm>
+        </p:spPr>
+        <p:txBody>
+          <a:bodyPr/>
+          <a:lstStyle/>
+          <a:p>
+            <a:r>
+              <a:rPr lang="en-US" sz="5400" dirty="0" smtClean="0">
+                <a:solidFill>
+                  <a:srgbClr val="000000"/>
+                </a:solidFill>
+              </a:rPr>
+              <a:t>Let</a:t>
+            </a:r>
+            <a:r>
+              <a:rPr lang="en-US" sz="5400" dirty="0" smtClean="0"/>
+              <a:t> </a:t>
+            </a:r>
+            <a:r>
+              <a:rPr lang="en-US" sz="5400" dirty="0">
+                <a:solidFill>
+                  <a:schemeClr val="accent1">
+                    <a:lumMod val="50000"/>
+                  </a:schemeClr>
+                </a:solidFill>
+              </a:rPr>
+              <a:t>G </a:t>
+            </a:r>
+            <a:r>
+              <a:rPr lang="en-US" sz="5400" dirty="0" smtClean="0"/>
+              <a:t>be a</a:t>
+            </a:r>
+            <a:r>
+              <a:rPr lang="en-US" sz="5400" dirty="0" smtClean="0">
+                <a:solidFill>
+                  <a:schemeClr val="accent1">
+                    <a:lumMod val="50000"/>
+                  </a:schemeClr>
+                </a:solidFill>
+              </a:rPr>
+              <a:t> connected,</a:t>
+            </a:r>
+            <a:endParaRPr lang="en-US" sz="5400" dirty="0">
+              <a:solidFill>
+                <a:schemeClr val="accent1">
+                  <a:lumMod val="50000"/>
+                </a:schemeClr>
+              </a:solidFill>
+            </a:endParaRPr>
+          </a:p>
+          <a:p>
+            <a:r>
+              <a:rPr lang="en-US" sz="5400" dirty="0" smtClean="0">
+                <a:solidFill>
+                  <a:schemeClr val="accent1">
+                    <a:lumMod val="50000"/>
+                  </a:schemeClr>
+                </a:solidFill>
+              </a:rPr>
+              <a:t>weighted</a:t>
+            </a:r>
+            <a:r>
+              <a:rPr lang="en-US" sz="5400" dirty="0"/>
+              <a:t> </a:t>
+            </a:r>
+            <a:r>
+              <a:rPr lang="en-US" sz="5400" dirty="0" smtClean="0"/>
+              <a:t>simple graph.</a:t>
+            </a:r>
+          </a:p>
+          <a:p>
+            <a:r>
+              <a:rPr lang="en-US" sz="5400" dirty="0" smtClean="0"/>
+              <a:t>Color each vertex of </a:t>
+            </a:r>
+            <a:r>
+              <a:rPr lang="en-US" sz="5400" dirty="0" smtClean="0">
+                <a:solidFill>
+                  <a:schemeClr val="accent1">
+                    <a:lumMod val="50000"/>
+                  </a:schemeClr>
+                </a:solidFill>
+              </a:rPr>
+              <a:t>G</a:t>
+            </a:r>
+          </a:p>
+          <a:p>
+            <a:r>
+              <a:rPr lang="en-US" sz="5400" b="1" dirty="0" smtClean="0"/>
+              <a:t>black</a:t>
+            </a:r>
+            <a:r>
+              <a:rPr lang="en-US" sz="5400" dirty="0" smtClean="0"/>
+              <a:t> or </a:t>
+            </a:r>
+            <a:r>
+              <a:rPr lang="en-US" sz="5400" b="1" dirty="0" smtClean="0">
+                <a:ln w="31550" cmpd="sng">
+                  <a:gradFill>
+                    <a:gsLst>
+                      <a:gs pos="25000">
+                        <a:schemeClr val="accent1">
+                          <a:shade val="25000"/>
+                          <a:satMod val="190000"/>
+                        </a:schemeClr>
+                      </a:gs>
+                      <a:gs pos="80000">
+                        <a:schemeClr val="accent1">
+                          <a:tint val="75000"/>
+                          <a:satMod val="190000"/>
+                        </a:schemeClr>
+                      </a:gs>
+                    </a:gsLst>
+                    <a:lin ang="5400000"/>
+                  </a:gradFill>
+                  <a:prstDash val="solid"/>
+                </a:ln>
+                <a:solidFill>
+                  <a:srgbClr val="FFFFFF"/>
+                </a:solidFill>
+                <a:effectLst>
+                  <a:outerShdw blurRad="41275" dist="12700" dir="12000000" algn="tl" rotWithShape="0">
+                    <a:srgbClr val="000000">
+                      <a:alpha val="40000"/>
+                    </a:srgbClr>
+                  </a:outerShdw>
+                </a:effectLst>
+              </a:rPr>
+              <a:t>white</a:t>
+            </a:r>
+            <a:endParaRPr lang="en-US" sz="5400" dirty="0" smtClean="0"/>
+          </a:p>
+        </p:txBody>
+      </p:sp>
+      <p:sp>
+        <p:nvSpPr>
+          <p:cNvPr id="4" name="Slide Number Placeholder 3"/>
+          <p:cNvSpPr>
+            <a:spLocks noGrp="1"/>
+          </p:cNvSpPr>
+          <p:nvPr>
+            <p:ph type="sldNum" sz="quarter" idx="4"/>
+          </p:nvPr>
+        </p:nvSpPr>
+        <p:spPr/>
+        <p:txBody>
+          <a:bodyPr/>
+          <a:lstStyle/>
+          <a:p>
+            <a:pPr>
+              <a:defRPr/>
+            </a:pPr>
+            <a:r>
+              <a:rPr lang="en-US" smtClean="0"/>
+              <a:t>connected.</a:t>
+            </a:r>
+            <a:fld id="{D7F2FC53-1536-41A9-A9C1-2199CF803E30}" type="slidenum">
+              <a:rPr lang="en-US" smtClean="0"/>
+              <a:pPr>
+                <a:defRPr/>
+              </a:pPr>
+              <a:t>2</a:t>
+            </a:fld>
+            <a:endParaRPr lang="en-US" dirty="0"/>
+          </a:p>
+        </p:txBody>
+      </p:sp>
+    </p:spTree>
+    <p:extLst>
+      <p:ext uri="{BB962C8B-B14F-4D97-AF65-F5344CB8AC3E}">
+        <p14:creationId xmlns:p14="http://schemas.microsoft.com/office/powerpoint/2010/main" val="3956117425"/>
+      </p:ext>
+    </p:extLst>
+  </p:cSld>
+  <p:clrMapOvr>
+    <a:masterClrMapping/>
+  </p:clrMapOvr>
+  <mc:AlternateContent xmlns:mc="http://schemas.openxmlformats.org/markup-compatibility/2006" xmlns:p14="http://schemas.microsoft.com/office/powerpoint/2010/main">
+    <mc:Choice Requires="p14">
+      <p:transition spd="slow" p14:dur="900" advClick="0">
+        <p:fade thruBlk="1"/>
+      </p:transition>
+    </mc:Choice>
+    <mc:Fallback xmlns="">
+      <p:transition xmlns:p14="http://schemas.microsoft.com/office/powerpoint/2010/main" spd="slow" advClick="0">
+        <p:fade thruBlk="1"/>
+      </p:transition>
+    </mc:Fallback>
+  </mc:AlternateContent>
+  <p:timing>
+    <p:tnLst>
+      <p:par>
+        <p:cTn xmlns:p14="http://schemas.microsoft.com/office/powerpoint/2010/main" id="1" dur="indefinite" restart="never" nodeType="tmRoot">
+          <p:childTnLst>
+            <p:seq concurrent="1" nextAc="seek">
+              <p:cTn id="2" dur="indefinite" nodeType="mainSeq">
+                <p:childTnLst>
+                  <p:par>
+                    <p:cTn id="3" fill="hold">
+                      <p:stCondLst>
+                        <p:cond delay="indefinite"/>
+                      </p:stCondLst>
+                      <p:childTnLst>
+                        <p:par>
+                          <p:cTn id="4" fill="hold">
+                            <p:stCondLst>
+                              <p:cond delay="0"/>
+                            </p:stCondLst>
+                            <p:childTnLst>
+                              <p:par>
+                                <p:cTn id="5" presetID="10" presetClass="entr" presetSubtype="0" fill="hold" nodeType="clickEffect">
+                                  <p:stCondLst>
+                                    <p:cond delay="0"/>
+                                  </p:stCondLst>
+                                  <p:childTnLst>
+                                    <p:set>
+                                      <p:cBhvr>
+                                        <p:cTn id="6" dur="1" fill="hold">
+                                          <p:stCondLst>
+                                            <p:cond delay="0"/>
+                                          </p:stCondLst>
+                                        </p:cTn>
+                                        <p:tgtEl>
+                                          <p:spTgt spid="3">
+                                            <p:txEl>
+                                              <p:pRg st="2" end="2"/>
+                                            </p:txEl>
+                                          </p:spTgt>
+                                        </p:tgtEl>
+                                        <p:attrNameLst>
+                                          <p:attrName>style.visibility</p:attrName>
+                                        </p:attrNameLst>
+                                      </p:cBhvr>
+                                      <p:to>
+                                        <p:strVal val="visible"/>
+                                      </p:to>
+                                    </p:set>
+                                    <p:animEffect transition="in" filter="fade">
+                                      <p:cBhvr>
+                                        <p:cTn id="7" dur="500"/>
+                                        <p:tgtEl>
+                                          <p:spTgt spid="3">
+                                            <p:txEl>
+                                              <p:pRg st="2" end="2"/>
+                                            </p:txEl>
+                                          </p:spTgt>
+                                        </p:tgtEl>
+                                      </p:cBhvr>
+                                    </p:animEffect>
+                                  </p:childTnLst>
+                                </p:cTn>
+                              </p:par>
+                              <p:par>
+                                <p:cTn id="8" presetID="10" presetClass="entr" presetSubtype="0" fill="hold" nodeType="withEffect">
+                                  <p:stCondLst>
+                                    <p:cond delay="0"/>
+                                  </p:stCondLst>
+                                  <p:childTnLst>
+                                    <p:set>
+                                      <p:cBhvr>
+                                        <p:cTn id="9" dur="1" fill="hold">
+                                          <p:stCondLst>
+                                            <p:cond delay="0"/>
+                                          </p:stCondLst>
+                                        </p:cTn>
+                                        <p:tgtEl>
+                                          <p:spTgt spid="3">
+                                            <p:txEl>
+                                              <p:pRg st="3" end="3"/>
+                                            </p:txEl>
+                                          </p:spTgt>
+                                        </p:tgtEl>
+                                        <p:attrNameLst>
+                                          <p:attrName>style.visibility</p:attrName>
+                                        </p:attrNameLst>
+                                      </p:cBhvr>
+                                      <p:to>
+                                        <p:strVal val="visible"/>
+                                      </p:to>
+                                    </p:set>
+                                    <p:animEffect transition="in" filter="fade">
+                                      <p:cBhvr>
+                                        <p:cTn id="10" dur="500"/>
+                                        <p:tgtEl>
+                                          <p:spTgt spid="3">
+                                            <p:txEl>
+                                              <p:pRg st="3" end="3"/>
+                                            </p:txEl>
+                                          </p:spTgt>
+                                        </p:tgtEl>
+                                      </p:cBhvr>
+                                    </p:animEffect>
+                                  </p:childTnLst>
+                                </p:cTn>
+                              </p:par>
+                            </p:childTnLst>
+                          </p:cTn>
+                        </p:par>
+                      </p:childTnLst>
+                    </p:cTn>
+                  </p:par>
+                </p:childTnLst>
+              </p:cTn>
+              <p:prevCondLst>
+                <p:cond evt="onPrev" delay="0">
+                  <p:tgtEl>
+                    <p:sldTgt/>
+                  </p:tgtEl>
+                </p:cond>
+              </p:prevCondLst>
+              <p:nextCondLst>
+                <p:cond evt="onNext" delay="0">
+                  <p:tgtEl>
+                    <p:sldTgt/>
+                  </p:tgtEl>
+                </p:cond>
+              </p:nextCondLst>
+            </p:seq>
+          </p:childTnLst>
+        </p:cTn>
+      </p:par>
+    </p:tnLst>
+  </p:timing>
+</p:sld>
+</file>
+
+<file path=ppt/slides/slide20.xml><?xml version="1.0" encoding="utf-8"?>
+<p:sld xmlns:a="http://schemas.openxmlformats.org/drawingml/2006/main" xmlns:r="http://schemas.openxmlformats.org/officeDocument/2006/relationships" xmlns:p="http://schemas.openxmlformats.org/presentationml/2006/main">
+  <p:cSld>
+    <p:spTree>
+      <p:nvGrpSpPr>
+        <p:cNvPr id="1" name=""/>
+        <p:cNvGrpSpPr/>
+        <p:nvPr/>
+      </p:nvGrpSpPr>
+      <p:grpSpPr>
+        <a:xfrm>
+          <a:off x="0" y="0"/>
+          <a:ext cx="0" cy="0"/>
+          <a:chOff x="0" y="0"/>
+          <a:chExt cx="0" cy="0"/>
+        </a:xfrm>
+      </p:grpSpPr>
+      <p:sp>
+        <p:nvSpPr>
+          <p:cNvPr id="2" name="Title 1"/>
+          <p:cNvSpPr>
+            <a:spLocks noGrp="1"/>
+          </p:cNvSpPr>
+          <p:nvPr>
+            <p:ph type="title"/>
+          </p:nvPr>
+        </p:nvSpPr>
+        <p:spPr>
+          <a:xfrm>
+            <a:off x="1219200" y="152400"/>
+            <a:ext cx="7848600" cy="1371600"/>
+          </a:xfrm>
+        </p:spPr>
+        <p:txBody>
+          <a:bodyPr/>
+          <a:lstStyle/>
+          <a:p>
+            <a:r>
+              <a:rPr lang="en-US" sz="4000" dirty="0" smtClean="0">
+                <a:solidFill>
+                  <a:schemeClr val="tx1"/>
+                </a:solidFill>
+              </a:rPr>
+              <a:t>M</a:t>
+            </a:r>
+            <a:r>
+              <a:rPr lang="en-US" sz="4000" dirty="0" smtClean="0"/>
+              <a:t>in-weight gray </a:t>
+            </a:r>
+            <a:r>
+              <a:rPr lang="en-US" sz="4000" dirty="0" smtClean="0">
+                <a:solidFill>
+                  <a:srgbClr val="008000"/>
+                </a:solidFill>
+              </a:rPr>
+              <a:t>necessary</a:t>
+            </a:r>
+            <a:r>
+              <a:rPr lang="en-US" sz="4000" dirty="0" smtClean="0"/>
+              <a:t> </a:t>
+            </a:r>
+            <a:endParaRPr lang="en-US" sz="4000" dirty="0"/>
+          </a:p>
+        </p:txBody>
+      </p:sp>
+      <p:sp>
+        <p:nvSpPr>
+          <p:cNvPr id="3" name="Content Placeholder 2"/>
+          <p:cNvSpPr>
+            <a:spLocks noGrp="1"/>
+          </p:cNvSpPr>
+          <p:nvPr>
+            <p:ph idx="1"/>
+          </p:nvPr>
+        </p:nvSpPr>
+        <p:spPr>
+          <a:xfrm>
+            <a:off x="228600" y="1447800"/>
+            <a:ext cx="8763000" cy="4495800"/>
+          </a:xfrm>
+        </p:spPr>
+        <p:txBody>
+          <a:bodyPr/>
+          <a:lstStyle/>
+          <a:p>
+            <a:r>
+              <a:rPr lang="en-US" dirty="0" smtClean="0">
+                <a:solidFill>
+                  <a:srgbClr val="A52174"/>
+                </a:solidFill>
+              </a:rPr>
+              <a:t>Corollary: </a:t>
+            </a:r>
+            <a:r>
+              <a:rPr lang="en-US" sz="5400" dirty="0" smtClean="0"/>
+              <a:t>If all edge weights </a:t>
+            </a:r>
+          </a:p>
+          <a:p>
+            <a:r>
+              <a:rPr lang="en-US" sz="5400" dirty="0" smtClean="0"/>
+              <a:t>differ, then spanning tree </a:t>
+            </a:r>
+          </a:p>
+          <a:p>
+            <a:r>
+              <a:rPr lang="en-US" sz="5400" dirty="0" smtClean="0"/>
+              <a:t>is </a:t>
+            </a:r>
+            <a:r>
+              <a:rPr lang="en-US" sz="5400" dirty="0" smtClean="0">
+                <a:solidFill>
+                  <a:srgbClr val="008000"/>
+                </a:solidFill>
+              </a:rPr>
+              <a:t>unique</a:t>
+            </a:r>
+          </a:p>
+        </p:txBody>
+      </p:sp>
+      <p:sp>
+        <p:nvSpPr>
+          <p:cNvPr id="4" name="Slide Number Placeholder 3"/>
+          <p:cNvSpPr>
+            <a:spLocks noGrp="1"/>
+          </p:cNvSpPr>
+          <p:nvPr>
+            <p:ph type="sldNum" sz="quarter" idx="4"/>
+          </p:nvPr>
+        </p:nvSpPr>
+        <p:spPr/>
+        <p:txBody>
+          <a:bodyPr/>
+          <a:lstStyle/>
+          <a:p>
+            <a:pPr>
+              <a:defRPr/>
+            </a:pPr>
+            <a:r>
+              <a:rPr lang="en-US" smtClean="0"/>
+              <a:t>connected.</a:t>
+            </a:r>
+            <a:fld id="{D7F2FC53-1536-41A9-A9C1-2199CF803E30}" type="slidenum">
+              <a:rPr lang="en-US" smtClean="0"/>
+              <a:pPr>
+                <a:defRPr/>
+              </a:pPr>
+              <a:t>20</a:t>
+            </a:fld>
+            <a:endParaRPr lang="en-US" dirty="0"/>
+          </a:p>
+        </p:txBody>
+      </p:sp>
+    </p:spTree>
+    <p:extLst>
+      <p:ext uri="{BB962C8B-B14F-4D97-AF65-F5344CB8AC3E}">
+        <p14:creationId xmlns:p14="http://schemas.microsoft.com/office/powerpoint/2010/main" val="969449804"/>
+      </p:ext>
+    </p:extLst>
+  </p:cSld>
+  <p:clrMapOvr>
+    <a:masterClrMapping/>
+  </p:clrMapOvr>
+  <mc:AlternateContent xmlns:mc="http://schemas.openxmlformats.org/markup-compatibility/2006" xmlns:p14="http://schemas.microsoft.com/office/powerpoint/2010/main">
+    <mc:Choice Requires="p14">
+      <p:transition spd="slow" p14:dur="900" advClick="0">
+        <p:fade/>
+      </p:transition>
+    </mc:Choice>
+    <mc:Fallback xmlns="">
+      <p:transition xmlns:p14="http://schemas.microsoft.com/office/powerpoint/2010/main" spd="slow" advClick="0">
+        <p:fade/>
+      </p:transition>
+    </mc:Fallback>
+  </mc:AlternateContent>
+  <p:timing>
+    <p:tnLst>
+      <p:par>
+        <p:cTn xmlns:p14="http://schemas.microsoft.com/office/powerpoint/2010/main" id="1" dur="indefinite" restart="never" nodeType="tmRoot"/>
+      </p:par>
+    </p:tnLst>
+  </p:timing>
+</p:sld>
+</file>
+
+<file path=ppt/slides/slide21.xml><?xml version="1.0" encoding="utf-8"?>
+<p:sld xmlns:a="http://schemas.openxmlformats.org/drawingml/2006/main" xmlns:r="http://schemas.openxmlformats.org/officeDocument/2006/relationships" xmlns:p="http://schemas.openxmlformats.org/presentationml/2006/main">
+  <p:cSld>
+    <p:spTree>
+      <p:nvGrpSpPr>
+        <p:cNvPr id="1" name=""/>
+        <p:cNvGrpSpPr/>
+        <p:nvPr/>
+      </p:nvGrpSpPr>
+      <p:grpSpPr>
+        <a:xfrm>
+          <a:off x="0" y="0"/>
+          <a:ext cx="0" cy="0"/>
+          <a:chOff x="0" y="0"/>
+          <a:chExt cx="0" cy="0"/>
+        </a:xfrm>
+      </p:grpSpPr>
+      <p:sp>
+        <p:nvSpPr>
+          <p:cNvPr id="2" name="Title 1"/>
+          <p:cNvSpPr>
+            <a:spLocks noGrp="1"/>
+          </p:cNvSpPr>
+          <p:nvPr>
+            <p:ph type="title"/>
+          </p:nvPr>
+        </p:nvSpPr>
+        <p:spPr>
+          <a:xfrm>
+            <a:off x="1219200" y="152400"/>
+            <a:ext cx="7848600" cy="1371600"/>
+          </a:xfrm>
+        </p:spPr>
+        <p:txBody>
+          <a:bodyPr/>
+          <a:lstStyle/>
+          <a:p>
+            <a:r>
+              <a:rPr lang="en-US" sz="4000" dirty="0" smtClean="0">
+                <a:solidFill>
+                  <a:schemeClr val="tx1"/>
+                </a:solidFill>
+              </a:rPr>
+              <a:t>M</a:t>
+            </a:r>
+            <a:r>
+              <a:rPr lang="en-US" sz="4000" dirty="0" smtClean="0"/>
+              <a:t>in-weight gray </a:t>
+            </a:r>
+            <a:r>
+              <a:rPr lang="en-US" sz="4000" dirty="0" smtClean="0">
+                <a:solidFill>
+                  <a:srgbClr val="008000"/>
+                </a:solidFill>
+              </a:rPr>
+              <a:t>necessary</a:t>
+            </a:r>
+            <a:r>
+              <a:rPr lang="en-US" sz="4000" dirty="0" smtClean="0"/>
+              <a:t> </a:t>
+            </a:r>
+            <a:endParaRPr lang="en-US" sz="4000" dirty="0"/>
+          </a:p>
+        </p:txBody>
+      </p:sp>
+      <p:sp>
+        <p:nvSpPr>
+          <p:cNvPr id="3" name="Content Placeholder 2"/>
+          <p:cNvSpPr>
+            <a:spLocks noGrp="1"/>
+          </p:cNvSpPr>
+          <p:nvPr>
+            <p:ph idx="1"/>
+          </p:nvPr>
+        </p:nvSpPr>
+        <p:spPr>
+          <a:xfrm>
+            <a:off x="228600" y="1447800"/>
+            <a:ext cx="8763000" cy="4495800"/>
+          </a:xfrm>
+        </p:spPr>
+        <p:txBody>
+          <a:bodyPr/>
+          <a:lstStyle/>
+          <a:p>
+            <a:r>
+              <a:rPr lang="en-US" dirty="0" smtClean="0">
+                <a:solidFill>
+                  <a:srgbClr val="A52174"/>
+                </a:solidFill>
+              </a:rPr>
+              <a:t>Corollary: </a:t>
+            </a:r>
+            <a:r>
+              <a:rPr lang="en-US" sz="5400" dirty="0" smtClean="0"/>
+              <a:t>If all edge weights </a:t>
+            </a:r>
+          </a:p>
+          <a:p>
+            <a:r>
+              <a:rPr lang="en-US" sz="5400" dirty="0" smtClean="0"/>
+              <a:t>differ, then spanning tree </a:t>
+            </a:r>
+          </a:p>
+          <a:p>
+            <a:r>
+              <a:rPr lang="en-US" sz="5400" dirty="0" smtClean="0"/>
+              <a:t>is </a:t>
+            </a:r>
+            <a:r>
+              <a:rPr lang="en-US" sz="5400" dirty="0" smtClean="0">
+                <a:solidFill>
+                  <a:srgbClr val="008000"/>
+                </a:solidFill>
+              </a:rPr>
+              <a:t>unique</a:t>
+            </a:r>
+            <a:r>
+              <a:rPr lang="en-US" sz="5400" dirty="0" smtClean="0"/>
+              <a:t>: has exactly the</a:t>
+            </a:r>
+          </a:p>
+          <a:p>
+            <a:r>
+              <a:rPr lang="en-US" sz="5400" dirty="0" smtClean="0"/>
+              <a:t>min-weight gray edges.</a:t>
+            </a:r>
+          </a:p>
+        </p:txBody>
+      </p:sp>
+      <p:sp>
+        <p:nvSpPr>
+          <p:cNvPr id="4" name="Slide Number Placeholder 3"/>
+          <p:cNvSpPr>
+            <a:spLocks noGrp="1"/>
+          </p:cNvSpPr>
+          <p:nvPr>
+            <p:ph type="sldNum" sz="quarter" idx="4"/>
+          </p:nvPr>
+        </p:nvSpPr>
+        <p:spPr/>
+        <p:txBody>
+          <a:bodyPr/>
+          <a:lstStyle/>
+          <a:p>
+            <a:pPr>
+              <a:defRPr/>
+            </a:pPr>
+            <a:r>
+              <a:rPr lang="en-US" smtClean="0"/>
+              <a:t>connected.</a:t>
+            </a:r>
+            <a:fld id="{D7F2FC53-1536-41A9-A9C1-2199CF803E30}" type="slidenum">
+              <a:rPr lang="en-US" smtClean="0"/>
+              <a:pPr>
+                <a:defRPr/>
+              </a:pPr>
+              <a:t>21</a:t>
+            </a:fld>
+            <a:endParaRPr lang="en-US" dirty="0"/>
+          </a:p>
+        </p:txBody>
+      </p:sp>
+    </p:spTree>
+    <p:extLst>
+      <p:ext uri="{BB962C8B-B14F-4D97-AF65-F5344CB8AC3E}">
+        <p14:creationId xmlns:p14="http://schemas.microsoft.com/office/powerpoint/2010/main" val="339960452"/>
+      </p:ext>
+    </p:extLst>
+  </p:cSld>
+  <p:clrMapOvr>
+    <a:masterClrMapping/>
+  </p:clrMapOvr>
+  <mc:AlternateContent xmlns:mc="http://schemas.openxmlformats.org/markup-compatibility/2006" xmlns:p14="http://schemas.microsoft.com/office/powerpoint/2010/main">
+    <mc:Choice Requires="p14">
+      <p:transition spd="slow" p14:dur="900" advClick="0">
+        <p:fade/>
+      </p:transition>
+    </mc:Choice>
+    <mc:Fallback xmlns="">
+      <p:transition xmlns:p14="http://schemas.microsoft.com/office/powerpoint/2010/main" spd="slow" advClick="0">
+        <p:fade/>
+      </p:transition>
+    </mc:Fallback>
+  </mc:AlternateContent>
+  <p:timing>
+    <p:tnLst>
+      <p:par>
+        <p:cTn xmlns:p14="http://schemas.microsoft.com/office/powerpoint/2010/main" id="1" dur="indefinite" restart="never" nodeType="tmRoot"/>
+      </p:par>
+    </p:tnLst>
+  </p:timing>
+</p:sld>
+</file>
+
+<file path=ppt/slides/slide22.xml><?xml version="1.0" encoding="utf-8"?>
+<p:sld xmlns:a="http://schemas.openxmlformats.org/drawingml/2006/main" xmlns:r="http://schemas.openxmlformats.org/officeDocument/2006/relationships" xmlns:p="http://schemas.openxmlformats.org/presentationml/2006/main" show="0">
+  <p:cSld>
+    <p:spTree>
+      <p:nvGrpSpPr>
+        <p:cNvPr id="1" name=""/>
+        <p:cNvGrpSpPr/>
+        <p:nvPr/>
+      </p:nvGrpSpPr>
+      <p:grpSpPr>
+        <a:xfrm>
+          <a:off x="0" y="0"/>
+          <a:ext cx="0" cy="0"/>
+          <a:chOff x="0" y="0"/>
+          <a:chExt cx="0" cy="0"/>
+        </a:xfrm>
+      </p:grpSpPr>
+      <p:sp>
+        <p:nvSpPr>
+          <p:cNvPr id="4" name="Slide Number Placeholder 3"/>
+          <p:cNvSpPr>
+            <a:spLocks noGrp="1"/>
+          </p:cNvSpPr>
+          <p:nvPr>
+            <p:ph type="sldNum" sz="quarter" idx="4"/>
+          </p:nvPr>
+        </p:nvSpPr>
+        <p:spPr/>
+        <p:txBody>
+          <a:bodyPr/>
+          <a:lstStyle/>
+          <a:p>
+            <a:pPr>
+              <a:defRPr/>
+            </a:pPr>
+            <a:r>
+              <a:rPr lang="en-US" smtClean="0"/>
+              <a:t>connected.</a:t>
+            </a:r>
+            <a:fld id="{D7F2FC53-1536-41A9-A9C1-2199CF803E30}" type="slidenum">
+              <a:rPr lang="en-US" smtClean="0"/>
+              <a:pPr>
+                <a:defRPr/>
+              </a:pPr>
+              <a:t>22</a:t>
+            </a:fld>
+            <a:endParaRPr lang="en-US" dirty="0"/>
+          </a:p>
+        </p:txBody>
+      </p:sp>
+      <p:sp>
+        <p:nvSpPr>
+          <p:cNvPr id="45" name="Title 1"/>
+          <p:cNvSpPr>
+            <a:spLocks noGrp="1"/>
+          </p:cNvSpPr>
+          <p:nvPr>
+            <p:ph type="title"/>
+          </p:nvPr>
+        </p:nvSpPr>
+        <p:spPr>
+          <a:xfrm>
+            <a:off x="1524000" y="304800"/>
+            <a:ext cx="7086600" cy="990600"/>
+          </a:xfrm>
+        </p:spPr>
+        <p:txBody>
+          <a:bodyPr/>
+          <a:lstStyle/>
+          <a:p>
+            <a:r>
+              <a:rPr lang="en-US" dirty="0" smtClean="0"/>
+              <a:t>Proof of Lemma</a:t>
+            </a:r>
+            <a:endParaRPr lang="en-US" dirty="0"/>
+          </a:p>
+        </p:txBody>
+      </p:sp>
+      <p:sp>
+        <p:nvSpPr>
+          <p:cNvPr id="11" name="Rectangle 10"/>
+          <p:cNvSpPr/>
+          <p:nvPr/>
+        </p:nvSpPr>
+        <p:spPr>
+          <a:xfrm>
+            <a:off x="2895600" y="1828800"/>
+            <a:ext cx="1066800" cy="1371600"/>
+          </a:xfrm>
+          <a:prstGeom prst="rect">
+            <a:avLst/>
+          </a:prstGeom>
+          <a:solidFill>
+            <a:srgbClr val="DDFFFF"/>
+          </a:solidFill>
+          <a:ln w="47625">
+            <a:noFill/>
+          </a:ln>
+        </p:spPr>
+        <p:txBody>
+          <a:bodyPr rtlCol="0" anchor="ctr"/>
+          <a:lstStyle/>
+          <a:p>
+            <a:pPr algn="ctr"/>
+            <a:endParaRPr lang="en-US"/>
+          </a:p>
+        </p:txBody>
+      </p:sp>
+      <p:graphicFrame>
+        <p:nvGraphicFramePr>
+          <p:cNvPr id="2" name="Object 1"/>
+          <p:cNvGraphicFramePr>
+            <a:graphicFrameLocks noChangeAspect="1"/>
+          </p:cNvGraphicFramePr>
+          <p:nvPr>
+            <p:extLst>
+              <p:ext uri="{D42A27DB-BD31-4B8C-83A1-F6EECF244321}">
+                <p14:modId xmlns:p14="http://schemas.microsoft.com/office/powerpoint/2010/main" val="4233331471"/>
+              </p:ext>
+            </p:extLst>
+          </p:nvPr>
+        </p:nvGraphicFramePr>
+        <p:xfrm>
+          <a:off x="1935162" y="1371600"/>
+          <a:ext cx="5380038" cy="1209675"/>
+        </p:xfrm>
+        <a:graphic>
+          <a:graphicData uri="http://schemas.openxmlformats.org/presentationml/2006/ole">
+            <mc:AlternateContent xmlns:mc="http://schemas.openxmlformats.org/markup-compatibility/2006">
+              <mc:Choice xmlns:v="urn:schemas-microsoft-com:vml" Requires="v">
+                <p:oleObj spid="_x0000_s15370" name="Equation" r:id="rId3" imgW="1016000" imgH="228600" progId="Equation.DSMT4">
+                  <p:embed/>
+                </p:oleObj>
+              </mc:Choice>
+              <mc:Fallback>
+                <p:oleObj name="Equation" r:id="rId3" imgW="1016000" imgH="228600" progId="Equation.DSMT4">
+                  <p:embed/>
+                  <p:pic>
+                    <p:nvPicPr>
+                      <p:cNvPr id="0" name=""/>
+                      <p:cNvPicPr/>
+                      <p:nvPr/>
+                    </p:nvPicPr>
+                    <p:blipFill>
+                      <a:blip r:embed="rId4"/>
+                      <a:stretch>
+                        <a:fillRect/>
+                      </a:stretch>
+                    </p:blipFill>
+                    <p:spPr>
+                      <a:xfrm>
+                        <a:off x="1935162" y="1371600"/>
+                        <a:ext cx="5380038" cy="1209675"/>
+                      </a:xfrm>
+                      <a:prstGeom prst="rect">
+                        <a:avLst/>
+                      </a:prstGeom>
+                    </p:spPr>
+                  </p:pic>
+                </p:oleObj>
+              </mc:Fallback>
+            </mc:AlternateContent>
+          </a:graphicData>
+        </a:graphic>
+      </p:graphicFrame>
+      <p:sp>
+        <p:nvSpPr>
+          <p:cNvPr id="3" name="TextBox 2"/>
+          <p:cNvSpPr txBox="1"/>
+          <p:nvPr/>
+        </p:nvSpPr>
+        <p:spPr>
+          <a:xfrm>
+            <a:off x="664638" y="2604310"/>
+            <a:ext cx="8020044" cy="3046988"/>
+          </a:xfrm>
+          <a:prstGeom prst="rect">
+            <a:avLst/>
+          </a:prstGeom>
+          <a:noFill/>
+        </p:spPr>
+        <p:txBody>
+          <a:bodyPr wrap="none" rtlCol="0">
+            <a:spAutoFit/>
+          </a:bodyPr>
+          <a:lstStyle/>
+          <a:p>
+            <a:r>
+              <a:rPr lang="en-US" sz="4800" dirty="0" smtClean="0"/>
+              <a:t>end-points of </a:t>
+            </a:r>
+            <a:r>
+              <a:rPr lang="en-US" sz="4800" dirty="0" smtClean="0">
+                <a:solidFill>
+                  <a:srgbClr val="0000E5"/>
+                </a:solidFill>
+              </a:rPr>
+              <a:t>g</a:t>
+            </a:r>
+            <a:r>
+              <a:rPr lang="en-US" sz="4800" dirty="0" smtClean="0"/>
+              <a:t> connected</a:t>
+            </a:r>
+          </a:p>
+          <a:p>
+            <a:r>
+              <a:rPr lang="en-US" sz="4800" dirty="0" smtClean="0"/>
+              <a:t>by </a:t>
+            </a:r>
+            <a:r>
+              <a:rPr lang="en-US" sz="4800" dirty="0" smtClean="0">
+                <a:solidFill>
+                  <a:srgbClr val="008000"/>
+                </a:solidFill>
+              </a:rPr>
+              <a:t>path</a:t>
+            </a:r>
+            <a:r>
+              <a:rPr lang="en-US" sz="4800" dirty="0" smtClean="0">
+                <a:solidFill>
+                  <a:srgbClr val="000000"/>
+                </a:solidFill>
+              </a:rPr>
+              <a:t>, so</a:t>
+            </a:r>
+            <a:r>
+              <a:rPr lang="en-US" sz="4800" dirty="0" smtClean="0">
+                <a:solidFill>
+                  <a:srgbClr val="008000"/>
+                </a:solidFill>
+              </a:rPr>
+              <a:t> D </a:t>
+            </a:r>
+            <a:r>
+              <a:rPr lang="en-US" sz="4800" dirty="0" smtClean="0"/>
+              <a:t>is connected.</a:t>
+            </a:r>
+          </a:p>
+          <a:p>
+            <a:r>
+              <a:rPr lang="en-US" sz="4800" b="1" dirty="0" smtClean="0">
+                <a:ln w="12700">
+                  <a:solidFill>
+                    <a:schemeClr val="tx2">
+                      <a:satMod val="155000"/>
+                    </a:schemeClr>
+                  </a:solidFill>
+                  <a:prstDash val="solid"/>
+                </a:ln>
+                <a:solidFill>
+                  <a:schemeClr val="bg2">
+                    <a:tint val="85000"/>
+                    <a:satMod val="155000"/>
+                  </a:schemeClr>
+                </a:solidFill>
+                <a:effectLst>
+                  <a:outerShdw blurRad="41275" dist="20320" dir="1800000" algn="tl" rotWithShape="0">
+                    <a:srgbClr val="000000">
+                      <a:alpha val="40000"/>
+                    </a:srgbClr>
+                  </a:outerShdw>
+                </a:effectLst>
+              </a:rPr>
+              <a:t>gray</a:t>
+            </a:r>
+            <a:r>
+              <a:rPr lang="en-US" sz="4800" dirty="0" smtClean="0">
+                <a:solidFill>
+                  <a:srgbClr val="000000"/>
+                </a:solidFill>
+              </a:rPr>
+              <a:t> edge</a:t>
+            </a:r>
+            <a:r>
+              <a:rPr lang="en-US" sz="4800" dirty="0" smtClean="0">
+                <a:solidFill>
+                  <a:schemeClr val="accent1">
+                    <a:lumMod val="50000"/>
+                  </a:schemeClr>
+                </a:solidFill>
+              </a:rPr>
+              <a:t> g</a:t>
+            </a:r>
+            <a:r>
+              <a:rPr lang="en-US" sz="4800" dirty="0" smtClean="0"/>
+              <a:t> not an </a:t>
+            </a:r>
+            <a:r>
+              <a:rPr lang="en-US" sz="4800" dirty="0" smtClean="0">
+                <a:solidFill>
+                  <a:srgbClr val="FF00FF"/>
+                </a:solidFill>
+              </a:rPr>
+              <a:t>S</a:t>
+            </a:r>
+            <a:r>
+              <a:rPr lang="en-US" sz="4800" dirty="0" smtClean="0"/>
+              <a:t>-edge</a:t>
+            </a:r>
+          </a:p>
+          <a:p>
+            <a:r>
+              <a:rPr lang="en-US" sz="4800" dirty="0" smtClean="0"/>
+              <a:t>so </a:t>
+            </a:r>
+            <a:r>
+              <a:rPr lang="en-US" sz="4800" dirty="0" smtClean="0">
+                <a:solidFill>
+                  <a:srgbClr val="FF00FF"/>
+                </a:solidFill>
+              </a:rPr>
+              <a:t>S</a:t>
+            </a:r>
+            <a:r>
+              <a:rPr lang="en-US" sz="4800" dirty="0" smtClean="0"/>
+              <a:t> remains a subset of</a:t>
+            </a:r>
+            <a:r>
+              <a:rPr lang="en-US" sz="4800" dirty="0" smtClean="0">
+                <a:solidFill>
+                  <a:srgbClr val="008000"/>
+                </a:solidFill>
+              </a:rPr>
+              <a:t> D</a:t>
+            </a:r>
+            <a:r>
+              <a:rPr lang="en-US" sz="4800" dirty="0"/>
+              <a:t>.</a:t>
+            </a:r>
+            <a:endParaRPr lang="en-US" sz="4800" dirty="0">
+              <a:solidFill>
+                <a:srgbClr val="008000"/>
+              </a:solidFill>
+            </a:endParaRPr>
+          </a:p>
+        </p:txBody>
+      </p:sp>
+    </p:spTree>
+    <p:extLst>
+      <p:ext uri="{BB962C8B-B14F-4D97-AF65-F5344CB8AC3E}">
+        <p14:creationId xmlns:p14="http://schemas.microsoft.com/office/powerpoint/2010/main" val="821269568"/>
+      </p:ext>
+    </p:extLst>
+  </p:cSld>
+  <p:clrMapOvr>
+    <a:masterClrMapping/>
+  </p:clrMapOvr>
+  <mc:AlternateContent xmlns:mc="http://schemas.openxmlformats.org/markup-compatibility/2006">
+    <mc:Choice xmlns:p14="http://schemas.microsoft.com/office/powerpoint/2010/main" Requires="p14">
+      <p:transition p14:dur="0" advClick="0"/>
+    </mc:Choice>
+    <mc:Fallback>
+      <p:transition xmlns:p14="http://schemas.microsoft.com/office/powerpoint/2010/main" advClick="0"/>
+    </mc:Fallback>
+  </mc:AlternateContent>
+  <p:timing>
+    <p:tnLst>
+      <p:par>
+        <p:cTn xmlns:p14="http://schemas.microsoft.com/office/powerpoint/2010/main" id="1" dur="indefinite" restart="never" nodeType="tmRoot">
+          <p:childTnLst>
+            <p:seq concurrent="1" nextAc="seek">
+              <p:cTn id="2" dur="indefinite" nodeType="mainSeq">
+                <p:childTnLst>
+                  <p:par>
+                    <p:cTn id="3" fill="hold">
+                      <p:stCondLst>
+                        <p:cond delay="indefinite"/>
+                        <p:cond evt="onBegin" delay="0">
+                          <p:tn val="2"/>
+                        </p:cond>
+                      </p:stCondLst>
+                      <p:childTnLst>
+                        <p:par>
+                          <p:cTn id="4" fill="hold">
+                            <p:stCondLst>
+                              <p:cond delay="0"/>
+                            </p:stCondLst>
+                            <p:childTnLst>
+                              <p:par>
+                                <p:cTn id="5" presetID="10" presetClass="entr" presetSubtype="0" fill="hold" nodeType="withEffect">
+                                  <p:stCondLst>
+                                    <p:cond delay="0"/>
+                                  </p:stCondLst>
+                                  <p:childTnLst>
+                                    <p:set>
+                                      <p:cBhvr>
+                                        <p:cTn id="6" dur="1" fill="hold">
+                                          <p:stCondLst>
+                                            <p:cond delay="0"/>
+                                          </p:stCondLst>
+                                        </p:cTn>
+                                        <p:tgtEl>
+                                          <p:spTgt spid="3">
+                                            <p:txEl>
+                                              <p:pRg st="1" end="1"/>
+                                            </p:txEl>
+                                          </p:spTgt>
+                                        </p:tgtEl>
+                                        <p:attrNameLst>
+                                          <p:attrName>style.visibility</p:attrName>
+                                        </p:attrNameLst>
+                                      </p:cBhvr>
+                                      <p:to>
+                                        <p:strVal val="visible"/>
+                                      </p:to>
+                                    </p:set>
+                                    <p:animEffect transition="in" filter="fade">
+                                      <p:cBhvr>
+                                        <p:cTn id="7" dur="500"/>
+                                        <p:tgtEl>
+                                          <p:spTgt spid="3">
+                                            <p:txEl>
+                                              <p:pRg st="1" end="1"/>
+                                            </p:txEl>
+                                          </p:spTgt>
+                                        </p:tgtEl>
+                                      </p:cBhvr>
+                                    </p:animEffect>
+                                  </p:childTnLst>
+                                </p:cTn>
+                              </p:par>
+                            </p:childTnLst>
+                          </p:cTn>
+                        </p:par>
+                      </p:childTnLst>
+                    </p:cTn>
+                  </p:par>
+                  <p:par>
+                    <p:cTn id="8" fill="hold">
+                      <p:stCondLst>
+                        <p:cond delay="indefinite"/>
+                      </p:stCondLst>
+                      <p:childTnLst>
+                        <p:par>
+                          <p:cTn id="9" fill="hold">
+                            <p:stCondLst>
+                              <p:cond delay="0"/>
+                            </p:stCondLst>
+                            <p:childTnLst>
+                              <p:par>
+                                <p:cTn id="10" presetID="10" presetClass="entr" presetSubtype="0" fill="hold" nodeType="clickEffect">
+                                  <p:stCondLst>
+                                    <p:cond delay="0"/>
+                                  </p:stCondLst>
+                                  <p:childTnLst>
+                                    <p:set>
+                                      <p:cBhvr>
+                                        <p:cTn id="11" dur="1" fill="hold">
+                                          <p:stCondLst>
+                                            <p:cond delay="0"/>
+                                          </p:stCondLst>
+                                        </p:cTn>
+                                        <p:tgtEl>
+                                          <p:spTgt spid="3">
+                                            <p:txEl>
+                                              <p:pRg st="2" end="2"/>
+                                            </p:txEl>
+                                          </p:spTgt>
+                                        </p:tgtEl>
+                                        <p:attrNameLst>
+                                          <p:attrName>style.visibility</p:attrName>
+                                        </p:attrNameLst>
+                                      </p:cBhvr>
+                                      <p:to>
+                                        <p:strVal val="visible"/>
+                                      </p:to>
+                                    </p:set>
+                                    <p:animEffect transition="in" filter="fade">
+                                      <p:cBhvr>
+                                        <p:cTn id="12" dur="500"/>
+                                        <p:tgtEl>
+                                          <p:spTgt spid="3">
+                                            <p:txEl>
+                                              <p:pRg st="2" end="2"/>
+                                            </p:txEl>
+                                          </p:spTgt>
+                                        </p:tgtEl>
+                                      </p:cBhvr>
+                                    </p:animEffect>
+                                  </p:childTnLst>
+                                </p:cTn>
+                              </p:par>
+                            </p:childTnLst>
+                          </p:cTn>
+                        </p:par>
+                      </p:childTnLst>
+                    </p:cTn>
+                  </p:par>
+                  <p:par>
+                    <p:cTn id="13" fill="hold">
+                      <p:stCondLst>
+                        <p:cond delay="indefinite"/>
+                      </p:stCondLst>
+                      <p:childTnLst>
+                        <p:par>
+                          <p:cTn id="14" fill="hold">
+                            <p:stCondLst>
+                              <p:cond delay="0"/>
+                            </p:stCondLst>
+                            <p:childTnLst>
+                              <p:par>
+                                <p:cTn id="15" presetID="10" presetClass="entr" presetSubtype="0" fill="hold" nodeType="clickEffect">
+                                  <p:stCondLst>
+                                    <p:cond delay="0"/>
+                                  </p:stCondLst>
+                                  <p:childTnLst>
+                                    <p:set>
+                                      <p:cBhvr>
+                                        <p:cTn id="16" dur="1" fill="hold">
+                                          <p:stCondLst>
+                                            <p:cond delay="0"/>
+                                          </p:stCondLst>
+                                        </p:cTn>
+                                        <p:tgtEl>
+                                          <p:spTgt spid="3">
+                                            <p:txEl>
+                                              <p:pRg st="3" end="3"/>
+                                            </p:txEl>
+                                          </p:spTgt>
+                                        </p:tgtEl>
+                                        <p:attrNameLst>
+                                          <p:attrName>style.visibility</p:attrName>
+                                        </p:attrNameLst>
+                                      </p:cBhvr>
+                                      <p:to>
+                                        <p:strVal val="visible"/>
+                                      </p:to>
+                                    </p:set>
+                                    <p:animEffect transition="in" filter="fade">
+                                      <p:cBhvr>
+                                        <p:cTn id="17" dur="500"/>
+                                        <p:tgtEl>
+                                          <p:spTgt spid="3">
+                                            <p:txEl>
+                                              <p:pRg st="3" end="3"/>
+                                            </p:txEl>
+                                          </p:spTgt>
+                                        </p:tgtEl>
+                                      </p:cBhvr>
+                                    </p:animEffect>
+                                  </p:childTnLst>
+                                </p:cTn>
+                              </p:par>
+                            </p:childTnLst>
+                          </p:cTn>
+                        </p:par>
+                      </p:childTnLst>
+                    </p:cTn>
+                  </p:par>
+                </p:childTnLst>
+              </p:cTn>
+              <p:prevCondLst>
+                <p:cond evt="onPrev" delay="0">
+                  <p:tgtEl>
+                    <p:sldTgt/>
+                  </p:tgtEl>
+                </p:cond>
+              </p:prevCondLst>
+              <p:nextCondLst>
+                <p:cond evt="onNext" delay="0">
+                  <p:tgtEl>
+                    <p:sldTgt/>
+                  </p:tgtEl>
+                </p:cond>
+              </p:nextCondLst>
+            </p:seq>
+          </p:childTnLst>
+        </p:cTn>
+      </p:par>
+    </p:tnLst>
+  </p:timing>
+</p:sld>
+</file>
+
+<file path=ppt/slides/slide23.xml><?xml version="1.0" encoding="utf-8"?>
 <p:sld xmlns:a="http://schemas.openxmlformats.org/drawingml/2006/main" xmlns:r="http://schemas.openxmlformats.org/officeDocument/2006/relationships" xmlns:p="http://schemas.openxmlformats.org/presentationml/2006/main" show="0">
   <p:cSld>
     <p:spTree>
@@ -12275,7 +14115,7 @@
               <a:pPr>
                 <a:defRPr/>
               </a:pPr>
-              <a:t>17</a:t>
+              <a:t>23</a:t>
             </a:fld>
             <a:endParaRPr lang="en-US" dirty="0"/>
           </a:p>
@@ -12885,7 +14725,7 @@
 </p:sld>
 </file>
 
-<file path=ppt/slides/slide18.xml><?xml version="1.0" encoding="utf-8"?>
+<file path=ppt/slides/slide24.xml><?xml version="1.0" encoding="utf-8"?>
 <p:sld xmlns:a="http://schemas.openxmlformats.org/drawingml/2006/main" xmlns:r="http://schemas.openxmlformats.org/officeDocument/2006/relationships" xmlns:p="http://schemas.openxmlformats.org/presentationml/2006/main" show="0">
   <p:cSld>
     <p:spTree>
@@ -13013,7 +14853,7 @@
               <a:pPr>
                 <a:defRPr/>
               </a:pPr>
-              <a:t>18</a:t>
+              <a:t>24</a:t>
             </a:fld>
             <a:endParaRPr lang="en-US" dirty="0"/>
           </a:p>
@@ -13339,7 +15179,7 @@
 </p:sld>
 </file>
 
-<file path=ppt/slides/slide19.xml><?xml version="1.0" encoding="utf-8"?>
+<file path=ppt/slides/slide25.xml><?xml version="1.0" encoding="utf-8"?>
 <p:sld xmlns:a="http://schemas.openxmlformats.org/drawingml/2006/main" xmlns:r="http://schemas.openxmlformats.org/officeDocument/2006/relationships" xmlns:p="http://schemas.openxmlformats.org/presentationml/2006/main" show="0">
   <p:cSld>
     <p:spTree>
@@ -13640,7 +15480,7 @@
               <a:pPr>
                 <a:defRPr/>
               </a:pPr>
-              <a:t>19</a:t>
+              <a:t>25</a:t>
             </a:fld>
             <a:endParaRPr lang="en-US" dirty="0"/>
           </a:p>
@@ -13823,391 +15663,7 @@
 </p:sld>
 </file>
 
-<file path=ppt/slides/slide2.xml><?xml version="1.0" encoding="utf-8"?>
-<p:sld xmlns:a="http://schemas.openxmlformats.org/drawingml/2006/main" xmlns:r="http://schemas.openxmlformats.org/officeDocument/2006/relationships" xmlns:p="http://schemas.openxmlformats.org/presentationml/2006/main">
-  <p:cSld>
-    <p:spTree>
-      <p:nvGrpSpPr>
-        <p:cNvPr id="1" name=""/>
-        <p:cNvGrpSpPr/>
-        <p:nvPr/>
-      </p:nvGrpSpPr>
-      <p:grpSpPr>
-        <a:xfrm>
-          <a:off x="0" y="0"/>
-          <a:ext cx="0" cy="0"/>
-          <a:chOff x="0" y="0"/>
-          <a:chExt cx="0" cy="0"/>
-        </a:xfrm>
-      </p:grpSpPr>
-      <p:sp>
-        <p:nvSpPr>
-          <p:cNvPr id="2" name="Title 1"/>
-          <p:cNvSpPr>
-            <a:spLocks noGrp="1"/>
-          </p:cNvSpPr>
-          <p:nvPr>
-            <p:ph type="title"/>
-          </p:nvPr>
-        </p:nvSpPr>
-        <p:spPr/>
-        <p:txBody>
-          <a:bodyPr/>
-          <a:lstStyle/>
-          <a:p>
-            <a:r>
-              <a:rPr lang="en-US" dirty="0" smtClean="0"/>
-              <a:t>Black-white coloring</a:t>
-            </a:r>
-            <a:endParaRPr lang="en-US" dirty="0">
-              <a:solidFill>
-                <a:srgbClr val="0000E5"/>
-              </a:solidFill>
-            </a:endParaRPr>
-          </a:p>
-        </p:txBody>
-      </p:sp>
-      <p:sp>
-        <p:nvSpPr>
-          <p:cNvPr id="3" name="Content Placeholder 2"/>
-          <p:cNvSpPr>
-            <a:spLocks noGrp="1"/>
-          </p:cNvSpPr>
-          <p:nvPr>
-            <p:ph idx="1"/>
-          </p:nvPr>
-        </p:nvSpPr>
-        <p:spPr>
-          <a:xfrm>
-            <a:off x="457200" y="1447800"/>
-            <a:ext cx="8229600" cy="4953000"/>
-          </a:xfrm>
-        </p:spPr>
-        <p:txBody>
-          <a:bodyPr/>
-          <a:lstStyle/>
-          <a:p>
-            <a:r>
-              <a:rPr lang="en-US" sz="5400" dirty="0" smtClean="0">
-                <a:solidFill>
-                  <a:srgbClr val="000000"/>
-                </a:solidFill>
-              </a:rPr>
-              <a:t>Let</a:t>
-            </a:r>
-            <a:r>
-              <a:rPr lang="en-US" sz="5400" dirty="0" smtClean="0"/>
-              <a:t> </a:t>
-            </a:r>
-            <a:r>
-              <a:rPr lang="en-US" sz="5400" dirty="0">
-                <a:solidFill>
-                  <a:schemeClr val="accent1">
-                    <a:lumMod val="50000"/>
-                  </a:schemeClr>
-                </a:solidFill>
-              </a:rPr>
-              <a:t>G </a:t>
-            </a:r>
-            <a:r>
-              <a:rPr lang="en-US" sz="5400" dirty="0" smtClean="0"/>
-              <a:t>be a</a:t>
-            </a:r>
-            <a:r>
-              <a:rPr lang="en-US" sz="5400" dirty="0" smtClean="0">
-                <a:solidFill>
-                  <a:schemeClr val="accent1">
-                    <a:lumMod val="50000"/>
-                  </a:schemeClr>
-                </a:solidFill>
-              </a:rPr>
-              <a:t> connected,</a:t>
-            </a:r>
-            <a:endParaRPr lang="en-US" sz="5400" dirty="0">
-              <a:solidFill>
-                <a:schemeClr val="accent1">
-                  <a:lumMod val="50000"/>
-                </a:schemeClr>
-              </a:solidFill>
-            </a:endParaRPr>
-          </a:p>
-          <a:p>
-            <a:r>
-              <a:rPr lang="en-US" sz="5400" dirty="0" smtClean="0">
-                <a:solidFill>
-                  <a:schemeClr val="accent1">
-                    <a:lumMod val="50000"/>
-                  </a:schemeClr>
-                </a:solidFill>
-              </a:rPr>
-              <a:t>weighted</a:t>
-            </a:r>
-            <a:r>
-              <a:rPr lang="en-US" sz="5400" dirty="0"/>
-              <a:t> </a:t>
-            </a:r>
-            <a:r>
-              <a:rPr lang="en-US" sz="5400" dirty="0" smtClean="0"/>
-              <a:t>simple graph.</a:t>
-            </a:r>
-          </a:p>
-          <a:p>
-            <a:r>
-              <a:rPr lang="en-US" sz="5400" dirty="0" smtClean="0"/>
-              <a:t>Color each vertex of </a:t>
-            </a:r>
-            <a:r>
-              <a:rPr lang="en-US" sz="5400" dirty="0" smtClean="0">
-                <a:solidFill>
-                  <a:schemeClr val="accent1">
-                    <a:lumMod val="50000"/>
-                  </a:schemeClr>
-                </a:solidFill>
-              </a:rPr>
-              <a:t>G</a:t>
-            </a:r>
-          </a:p>
-          <a:p>
-            <a:r>
-              <a:rPr lang="en-US" sz="5400" b="1" dirty="0" smtClean="0"/>
-              <a:t>black</a:t>
-            </a:r>
-            <a:r>
-              <a:rPr lang="en-US" sz="5400" dirty="0" smtClean="0"/>
-              <a:t> or </a:t>
-            </a:r>
-            <a:r>
-              <a:rPr lang="en-US" sz="5400" b="1" dirty="0" smtClean="0">
-                <a:ln w="31550" cmpd="sng">
-                  <a:gradFill>
-                    <a:gsLst>
-                      <a:gs pos="25000">
-                        <a:schemeClr val="accent1">
-                          <a:shade val="25000"/>
-                          <a:satMod val="190000"/>
-                        </a:schemeClr>
-                      </a:gs>
-                      <a:gs pos="80000">
-                        <a:schemeClr val="accent1">
-                          <a:tint val="75000"/>
-                          <a:satMod val="190000"/>
-                        </a:schemeClr>
-                      </a:gs>
-                    </a:gsLst>
-                    <a:lin ang="5400000"/>
-                  </a:gradFill>
-                  <a:prstDash val="solid"/>
-                </a:ln>
-                <a:solidFill>
-                  <a:srgbClr val="FFFFFF"/>
-                </a:solidFill>
-                <a:effectLst>
-                  <a:outerShdw blurRad="41275" dist="12700" dir="12000000" algn="tl" rotWithShape="0">
-                    <a:srgbClr val="000000">
-                      <a:alpha val="40000"/>
-                    </a:srgbClr>
-                  </a:outerShdw>
-                </a:effectLst>
-              </a:rPr>
-              <a:t>white</a:t>
-            </a:r>
-            <a:endParaRPr lang="en-US" sz="5400" dirty="0" smtClean="0"/>
-          </a:p>
-        </p:txBody>
-      </p:sp>
-      <p:sp>
-        <p:nvSpPr>
-          <p:cNvPr id="4" name="Slide Number Placeholder 3"/>
-          <p:cNvSpPr>
-            <a:spLocks noGrp="1"/>
-          </p:cNvSpPr>
-          <p:nvPr>
-            <p:ph type="sldNum" sz="quarter" idx="4"/>
-          </p:nvPr>
-        </p:nvSpPr>
-        <p:spPr/>
-        <p:txBody>
-          <a:bodyPr/>
-          <a:lstStyle/>
-          <a:p>
-            <a:pPr>
-              <a:defRPr/>
-            </a:pPr>
-            <a:r>
-              <a:rPr lang="en-US" smtClean="0"/>
-              <a:t>connected.</a:t>
-            </a:r>
-            <a:fld id="{D7F2FC53-1536-41A9-A9C1-2199CF803E30}" type="slidenum">
-              <a:rPr lang="en-US" smtClean="0"/>
-              <a:pPr>
-                <a:defRPr/>
-              </a:pPr>
-              <a:t>2</a:t>
-            </a:fld>
-            <a:endParaRPr lang="en-US" dirty="0"/>
-          </a:p>
-        </p:txBody>
-      </p:sp>
-    </p:spTree>
-    <p:extLst>
-      <p:ext uri="{BB962C8B-B14F-4D97-AF65-F5344CB8AC3E}">
-        <p14:creationId xmlns:p14="http://schemas.microsoft.com/office/powerpoint/2010/main" val="3956117425"/>
-      </p:ext>
-    </p:extLst>
-  </p:cSld>
-  <p:clrMapOvr>
-    <a:masterClrMapping/>
-  </p:clrMapOvr>
-  <mc:AlternateContent xmlns:mc="http://schemas.openxmlformats.org/markup-compatibility/2006">
-    <mc:Choice xmlns:p14="http://schemas.microsoft.com/office/powerpoint/2010/main" Requires="p14">
-      <p:transition spd="slow" p14:dur="900" advClick="0">
-        <p:fade thruBlk="1"/>
-      </p:transition>
-    </mc:Choice>
-    <mc:Fallback>
-      <p:transition xmlns:p14="http://schemas.microsoft.com/office/powerpoint/2010/main" spd="slow" advClick="0">
-        <p:fade thruBlk="1"/>
-      </p:transition>
-    </mc:Fallback>
-  </mc:AlternateContent>
-  <p:timing>
-    <p:tnLst>
-      <p:par>
-        <p:cTn xmlns:p14="http://schemas.microsoft.com/office/powerpoint/2010/main" id="1" dur="indefinite" restart="never" nodeType="tmRoot">
-          <p:childTnLst>
-            <p:seq concurrent="1" nextAc="seek">
-              <p:cTn id="2" dur="indefinite" nodeType="mainSeq">
-                <p:childTnLst>
-                  <p:par>
-                    <p:cTn id="3" fill="hold">
-                      <p:stCondLst>
-                        <p:cond delay="indefinite"/>
-                      </p:stCondLst>
-                      <p:childTnLst>
-                        <p:par>
-                          <p:cTn id="4" fill="hold">
-                            <p:stCondLst>
-                              <p:cond delay="0"/>
-                            </p:stCondLst>
-                            <p:childTnLst>
-                              <p:par>
-                                <p:cTn id="5" presetID="10" presetClass="entr" presetSubtype="0" fill="hold" nodeType="clickEffect">
-                                  <p:stCondLst>
-                                    <p:cond delay="0"/>
-                                  </p:stCondLst>
-                                  <p:childTnLst>
-                                    <p:set>
-                                      <p:cBhvr>
-                                        <p:cTn id="6" dur="1" fill="hold">
-                                          <p:stCondLst>
-                                            <p:cond delay="0"/>
-                                          </p:stCondLst>
-                                        </p:cTn>
-                                        <p:tgtEl>
-                                          <p:spTgt spid="3">
-                                            <p:txEl>
-                                              <p:pRg st="2" end="2"/>
-                                            </p:txEl>
-                                          </p:spTgt>
-                                        </p:tgtEl>
-                                        <p:attrNameLst>
-                                          <p:attrName>style.visibility</p:attrName>
-                                        </p:attrNameLst>
-                                      </p:cBhvr>
-                                      <p:to>
-                                        <p:strVal val="visible"/>
-                                      </p:to>
-                                    </p:set>
-                                    <p:animEffect transition="in" filter="fade">
-                                      <p:cBhvr>
-                                        <p:cTn id="7" dur="500"/>
-                                        <p:tgtEl>
-                                          <p:spTgt spid="3">
-                                            <p:txEl>
-                                              <p:pRg st="2" end="2"/>
-                                            </p:txEl>
-                                          </p:spTgt>
-                                        </p:tgtEl>
-                                      </p:cBhvr>
-                                    </p:animEffect>
-                                  </p:childTnLst>
-                                </p:cTn>
-                              </p:par>
-                              <p:par>
-                                <p:cTn id="8" presetID="10" presetClass="entr" presetSubtype="0" fill="hold" nodeType="withEffect">
-                                  <p:stCondLst>
-                                    <p:cond delay="0"/>
-                                  </p:stCondLst>
-                                  <p:childTnLst>
-                                    <p:set>
-                                      <p:cBhvr>
-                                        <p:cTn id="9" dur="1" fill="hold">
-                                          <p:stCondLst>
-                                            <p:cond delay="0"/>
-                                          </p:stCondLst>
-                                        </p:cTn>
-                                        <p:tgtEl>
-                                          <p:spTgt spid="3">
-                                            <p:txEl>
-                                              <p:pRg st="3" end="3"/>
-                                            </p:txEl>
-                                          </p:spTgt>
-                                        </p:tgtEl>
-                                        <p:attrNameLst>
-                                          <p:attrName>style.visibility</p:attrName>
-                                        </p:attrNameLst>
-                                      </p:cBhvr>
-                                      <p:to>
-                                        <p:strVal val="visible"/>
-                                      </p:to>
-                                    </p:set>
-                                    <p:animEffect transition="in" filter="fade">
-                                      <p:cBhvr>
-                                        <p:cTn id="10" dur="500"/>
-                                        <p:tgtEl>
-                                          <p:spTgt spid="3">
-                                            <p:txEl>
-                                              <p:pRg st="3" end="3"/>
-                                            </p:txEl>
-                                          </p:spTgt>
-                                        </p:tgtEl>
-                                      </p:cBhvr>
-                                    </p:animEffect>
-                                  </p:childTnLst>
-                                </p:cTn>
-                              </p:par>
-                            </p:childTnLst>
-                          </p:cTn>
-                        </p:par>
-                      </p:childTnLst>
-                    </p:cTn>
-                  </p:par>
-                </p:childTnLst>
-              </p:cTn>
-              <p:prevCondLst>
-                <p:cond evt="onPrev" delay="0">
-                  <p:tgtEl>
-                    <p:sldTgt/>
-                  </p:tgtEl>
-                </p:cond>
-              </p:prevCondLst>
-              <p:nextCondLst>
-                <p:cond evt="onNext" delay="0">
-                  <p:tgtEl>
-                    <p:sldTgt/>
-                  </p:tgtEl>
-                </p:cond>
-              </p:nextCondLst>
-            </p:seq>
-          </p:childTnLst>
-        </p:cTn>
-      </p:par>
-    </p:tnLst>
-  </p:timing>
-</p:sld>
-</file>
-
-<file path=ppt/slides/slide20.xml><?xml version="1.0" encoding="utf-8"?>
+<file path=ppt/slides/slide26.xml><?xml version="1.0" encoding="utf-8"?>
 <p:sld xmlns:a="http://schemas.openxmlformats.org/drawingml/2006/main" xmlns:r="http://schemas.openxmlformats.org/officeDocument/2006/relationships" xmlns:p="http://schemas.openxmlformats.org/presentationml/2006/main" show="0">
   <p:cSld>
     <p:spTree>
@@ -14392,7 +15848,7 @@
               <a:pPr>
                 <a:defRPr/>
               </a:pPr>
-              <a:t>20</a:t>
+              <a:t>26</a:t>
             </a:fld>
             <a:endParaRPr lang="en-US" dirty="0"/>
           </a:p>
@@ -14600,7 +16056,7 @@
 </p:sld>
 </file>
 
-<file path=ppt/slides/slide21.xml><?xml version="1.0" encoding="utf-8"?>
+<file path=ppt/slides/slide27.xml><?xml version="1.0" encoding="utf-8"?>
 <p:sld xmlns:a="http://schemas.openxmlformats.org/drawingml/2006/main" xmlns:r="http://schemas.openxmlformats.org/officeDocument/2006/relationships" xmlns:p="http://schemas.openxmlformats.org/presentationml/2006/main" show="0">
   <p:cSld>
     <p:spTree>
@@ -14803,7 +16259,7 @@
               <a:pPr>
                 <a:defRPr/>
               </a:pPr>
-              <a:t>21</a:t>
+              <a:t>27</a:t>
             </a:fld>
             <a:endParaRPr lang="en-US" dirty="0"/>
           </a:p>
@@ -14986,7 +16442,7 @@
 </p:sld>
 </file>
 
-<file path=ppt/slides/slide22.xml><?xml version="1.0" encoding="utf-8"?>
+<file path=ppt/slides/slide28.xml><?xml version="1.0" encoding="utf-8"?>
 <p:sld xmlns:a="http://schemas.openxmlformats.org/drawingml/2006/main" xmlns:r="http://schemas.openxmlformats.org/officeDocument/2006/relationships" xmlns:p="http://schemas.openxmlformats.org/presentationml/2006/main" show="0">
   <p:cSld>
     <p:spTree>
@@ -15107,7 +16563,7 @@
               <a:pPr>
                 <a:defRPr/>
               </a:pPr>
-              <a:t>22</a:t>
+              <a:t>28</a:t>
             </a:fld>
             <a:endParaRPr lang="en-US" dirty="0"/>
           </a:p>
@@ -15145,7 +16601,7 @@
 </p:sld>
 </file>
 
-<file path=ppt/slides/slide23.xml><?xml version="1.0" encoding="utf-8"?>
+<file path=ppt/slides/slide29.xml><?xml version="1.0" encoding="utf-8"?>
 <p:sld xmlns:a="http://schemas.openxmlformats.org/drawingml/2006/main" xmlns:r="http://schemas.openxmlformats.org/officeDocument/2006/relationships" xmlns:p="http://schemas.openxmlformats.org/presentationml/2006/main" show="0">
   <p:cSld>
     <p:spTree>
@@ -15221,15 +16677,7 @@
             </a:r>
             <a:r>
               <a:rPr lang="en-US" sz="6600" dirty="0" smtClean="0"/>
-              <a:t> is a </a:t>
-            </a:r>
-            <a:r>
-              <a:rPr lang="en-US" sz="6600" dirty="0" smtClean="0"/>
-              <a:t>min </a:t>
-            </a:r>
-            <a:r>
-              <a:rPr lang="en-US" sz="6600" dirty="0" smtClean="0"/>
-              <a:t>weight gray edge in a black-white coloring of </a:t>
+              <a:t> is a min weight gray edge in a black-white coloring of </a:t>
             </a:r>
             <a:r>
               <a:rPr lang="en-US" sz="6600" dirty="0" smtClean="0">
@@ -15274,7 +16722,7 @@
               <a:pPr>
                 <a:defRPr/>
               </a:pPr>
-              <a:t>23</a:t>
+              <a:t>29</a:t>
             </a:fld>
             <a:endParaRPr lang="en-US" dirty="0"/>
           </a:p>
@@ -15312,7 +16760,324 @@
 </p:sld>
 </file>
 
-<file path=ppt/slides/slide24.xml><?xml version="1.0" encoding="utf-8"?>
+<file path=ppt/slides/slide3.xml><?xml version="1.0" encoding="utf-8"?>
+<p:sld xmlns:a="http://schemas.openxmlformats.org/drawingml/2006/main" xmlns:r="http://schemas.openxmlformats.org/officeDocument/2006/relationships" xmlns:p="http://schemas.openxmlformats.org/presentationml/2006/main">
+  <p:cSld>
+    <p:spTree>
+      <p:nvGrpSpPr>
+        <p:cNvPr id="1" name=""/>
+        <p:cNvGrpSpPr/>
+        <p:nvPr/>
+      </p:nvGrpSpPr>
+      <p:grpSpPr>
+        <a:xfrm>
+          <a:off x="0" y="0"/>
+          <a:ext cx="0" cy="0"/>
+          <a:chOff x="0" y="0"/>
+          <a:chExt cx="0" cy="0"/>
+        </a:xfrm>
+      </p:grpSpPr>
+      <p:sp>
+        <p:nvSpPr>
+          <p:cNvPr id="2" name="Title 1"/>
+          <p:cNvSpPr>
+            <a:spLocks noGrp="1"/>
+          </p:cNvSpPr>
+          <p:nvPr>
+            <p:ph type="title"/>
+          </p:nvPr>
+        </p:nvSpPr>
+        <p:spPr/>
+        <p:txBody>
+          <a:bodyPr/>
+          <a:lstStyle/>
+          <a:p>
+            <a:r>
+              <a:rPr lang="en-US" dirty="0" smtClean="0"/>
+              <a:t>Black-white coloring</a:t>
+            </a:r>
+            <a:endParaRPr lang="en-US" dirty="0">
+              <a:solidFill>
+                <a:srgbClr val="0000E5"/>
+              </a:solidFill>
+            </a:endParaRPr>
+          </a:p>
+        </p:txBody>
+      </p:sp>
+      <p:sp>
+        <p:nvSpPr>
+          <p:cNvPr id="3" name="Content Placeholder 2"/>
+          <p:cNvSpPr>
+            <a:spLocks noGrp="1"/>
+          </p:cNvSpPr>
+          <p:nvPr>
+            <p:ph idx="1"/>
+          </p:nvPr>
+        </p:nvSpPr>
+        <p:spPr>
+          <a:xfrm>
+            <a:off x="457200" y="1447800"/>
+            <a:ext cx="8229600" cy="4953000"/>
+          </a:xfrm>
+        </p:spPr>
+        <p:txBody>
+          <a:bodyPr/>
+          <a:lstStyle/>
+          <a:p>
+            <a:r>
+              <a:rPr lang="en-US" sz="5400" dirty="0" smtClean="0">
+                <a:solidFill>
+                  <a:srgbClr val="000000"/>
+                </a:solidFill>
+              </a:rPr>
+              <a:t>Let</a:t>
+            </a:r>
+            <a:r>
+              <a:rPr lang="en-US" sz="5400" dirty="0" smtClean="0"/>
+              <a:t> </a:t>
+            </a:r>
+            <a:r>
+              <a:rPr lang="en-US" sz="5400" dirty="0">
+                <a:solidFill>
+                  <a:schemeClr val="accent1">
+                    <a:lumMod val="50000"/>
+                  </a:schemeClr>
+                </a:solidFill>
+              </a:rPr>
+              <a:t>G </a:t>
+            </a:r>
+            <a:r>
+              <a:rPr lang="en-US" sz="5400" dirty="0" smtClean="0"/>
+              <a:t>be a</a:t>
+            </a:r>
+            <a:r>
+              <a:rPr lang="en-US" sz="5400" dirty="0" smtClean="0">
+                <a:solidFill>
+                  <a:schemeClr val="accent1">
+                    <a:lumMod val="50000"/>
+                  </a:schemeClr>
+                </a:solidFill>
+              </a:rPr>
+              <a:t> connected,</a:t>
+            </a:r>
+            <a:endParaRPr lang="en-US" sz="5400" dirty="0">
+              <a:solidFill>
+                <a:schemeClr val="accent1">
+                  <a:lumMod val="50000"/>
+                </a:schemeClr>
+              </a:solidFill>
+            </a:endParaRPr>
+          </a:p>
+          <a:p>
+            <a:r>
+              <a:rPr lang="en-US" sz="5400" dirty="0" smtClean="0">
+                <a:solidFill>
+                  <a:schemeClr val="accent1">
+                    <a:lumMod val="50000"/>
+                  </a:schemeClr>
+                </a:solidFill>
+              </a:rPr>
+              <a:t>weighted</a:t>
+            </a:r>
+            <a:r>
+              <a:rPr lang="en-US" sz="5400" dirty="0"/>
+              <a:t> </a:t>
+            </a:r>
+            <a:r>
+              <a:rPr lang="en-US" sz="5400" dirty="0" smtClean="0"/>
+              <a:t>simple graph.</a:t>
+            </a:r>
+          </a:p>
+          <a:p>
+            <a:r>
+              <a:rPr lang="en-US" sz="5400" dirty="0" smtClean="0"/>
+              <a:t>Color each vertex of </a:t>
+            </a:r>
+            <a:r>
+              <a:rPr lang="en-US" sz="5400" dirty="0" smtClean="0">
+                <a:solidFill>
+                  <a:schemeClr val="accent1">
+                    <a:lumMod val="50000"/>
+                  </a:schemeClr>
+                </a:solidFill>
+              </a:rPr>
+              <a:t>G</a:t>
+            </a:r>
+          </a:p>
+          <a:p>
+            <a:r>
+              <a:rPr lang="en-US" sz="5400" b="1" dirty="0" smtClean="0"/>
+              <a:t>black</a:t>
+            </a:r>
+            <a:r>
+              <a:rPr lang="en-US" sz="5400" dirty="0" smtClean="0"/>
+              <a:t> or </a:t>
+            </a:r>
+            <a:r>
+              <a:rPr lang="en-US" sz="5400" b="1" dirty="0" smtClean="0">
+                <a:ln w="31550" cmpd="sng">
+                  <a:gradFill>
+                    <a:gsLst>
+                      <a:gs pos="25000">
+                        <a:schemeClr val="accent1">
+                          <a:shade val="25000"/>
+                          <a:satMod val="190000"/>
+                        </a:schemeClr>
+                      </a:gs>
+                      <a:gs pos="80000">
+                        <a:schemeClr val="accent1">
+                          <a:tint val="75000"/>
+                          <a:satMod val="190000"/>
+                        </a:schemeClr>
+                      </a:gs>
+                    </a:gsLst>
+                    <a:lin ang="5400000"/>
+                  </a:gradFill>
+                  <a:prstDash val="solid"/>
+                </a:ln>
+                <a:solidFill>
+                  <a:srgbClr val="FFFFFF"/>
+                </a:solidFill>
+                <a:effectLst>
+                  <a:outerShdw blurRad="41275" dist="12700" dir="12000000" algn="tl" rotWithShape="0">
+                    <a:srgbClr val="000000">
+                      <a:alpha val="40000"/>
+                    </a:srgbClr>
+                  </a:outerShdw>
+                </a:effectLst>
+              </a:rPr>
+              <a:t>white</a:t>
+            </a:r>
+            <a:endParaRPr lang="en-US" sz="5400" dirty="0" smtClean="0"/>
+          </a:p>
+        </p:txBody>
+      </p:sp>
+      <p:sp>
+        <p:nvSpPr>
+          <p:cNvPr id="4" name="Slide Number Placeholder 3"/>
+          <p:cNvSpPr>
+            <a:spLocks noGrp="1"/>
+          </p:cNvSpPr>
+          <p:nvPr>
+            <p:ph type="sldNum" sz="quarter" idx="4"/>
+          </p:nvPr>
+        </p:nvSpPr>
+        <p:spPr/>
+        <p:txBody>
+          <a:bodyPr/>
+          <a:lstStyle/>
+          <a:p>
+            <a:pPr>
+              <a:defRPr/>
+            </a:pPr>
+            <a:r>
+              <a:rPr lang="en-US" smtClean="0"/>
+              <a:t>connected.</a:t>
+            </a:r>
+            <a:fld id="{D7F2FC53-1536-41A9-A9C1-2199CF803E30}" type="slidenum">
+              <a:rPr lang="en-US" smtClean="0"/>
+              <a:pPr>
+                <a:defRPr/>
+              </a:pPr>
+              <a:t>3</a:t>
+            </a:fld>
+            <a:endParaRPr lang="en-US" dirty="0"/>
+          </a:p>
+        </p:txBody>
+      </p:sp>
+      <p:sp>
+        <p:nvSpPr>
+          <p:cNvPr id="5" name="Rectangle 4"/>
+          <p:cNvSpPr/>
+          <p:nvPr/>
+        </p:nvSpPr>
+        <p:spPr>
+          <a:xfrm>
+            <a:off x="457200" y="4419600"/>
+            <a:ext cx="7129589" cy="1754327"/>
+          </a:xfrm>
+          <a:prstGeom prst="rect">
+            <a:avLst/>
+          </a:prstGeom>
+        </p:spPr>
+        <p:txBody>
+          <a:bodyPr wrap="none">
+            <a:spAutoFit/>
+          </a:bodyPr>
+          <a:lstStyle/>
+          <a:p>
+            <a:r>
+              <a:rPr lang="en-US" sz="5400" kern="0" dirty="0" smtClean="0">
+                <a:solidFill>
+                  <a:srgbClr val="000000"/>
+                </a:solidFill>
+                <a:latin typeface="Comic Sans MS"/>
+              </a:rPr>
+              <a:t>                      , </a:t>
+            </a:r>
+            <a:r>
+              <a:rPr lang="en-US" sz="5400" kern="0" dirty="0">
+                <a:solidFill>
+                  <a:srgbClr val="000000"/>
+                </a:solidFill>
+                <a:latin typeface="Comic Sans MS"/>
+              </a:rPr>
+              <a:t>not all </a:t>
+            </a:r>
+            <a:endParaRPr lang="en-US" sz="5400" kern="0" dirty="0" smtClean="0">
+              <a:solidFill>
+                <a:srgbClr val="000000"/>
+              </a:solidFill>
+              <a:latin typeface="Comic Sans MS"/>
+            </a:endParaRPr>
+          </a:p>
+          <a:p>
+            <a:r>
+              <a:rPr lang="en-US" sz="5400" kern="0" dirty="0" smtClean="0">
+                <a:solidFill>
+                  <a:srgbClr val="000000"/>
+                </a:solidFill>
+                <a:latin typeface="Comic Sans MS"/>
+              </a:rPr>
+              <a:t>same </a:t>
+            </a:r>
+            <a:r>
+              <a:rPr lang="en-US" sz="5400" kern="0" dirty="0">
+                <a:solidFill>
+                  <a:srgbClr val="000000"/>
+                </a:solidFill>
+                <a:latin typeface="Comic Sans MS"/>
+              </a:rPr>
+              <a:t>color.</a:t>
+            </a:r>
+            <a:endParaRPr lang="en-US" dirty="0"/>
+          </a:p>
+        </p:txBody>
+      </p:sp>
+    </p:spTree>
+    <p:extLst>
+      <p:ext uri="{BB962C8B-B14F-4D97-AF65-F5344CB8AC3E}">
+        <p14:creationId xmlns:p14="http://schemas.microsoft.com/office/powerpoint/2010/main" val="3417640682"/>
+      </p:ext>
+    </p:extLst>
+  </p:cSld>
+  <p:clrMapOvr>
+    <a:masterClrMapping/>
+  </p:clrMapOvr>
+  <p:transition xmlns:p14="http://schemas.microsoft.com/office/powerpoint/2010/main" advClick="0">
+    <p:fade/>
+  </p:transition>
+  <p:timing>
+    <p:tnLst>
+      <p:par>
+        <p:cTn xmlns:p14="http://schemas.microsoft.com/office/powerpoint/2010/main" id="1" dur="indefinite" restart="never" nodeType="tmRoot"/>
+      </p:par>
+    </p:tnLst>
+  </p:timing>
+</p:sld>
+</file>
+
+<file path=ppt/slides/slide30.xml><?xml version="1.0" encoding="utf-8"?>
 <p:sld xmlns:a="http://schemas.openxmlformats.org/drawingml/2006/main" xmlns:r="http://schemas.openxmlformats.org/officeDocument/2006/relationships" xmlns:p="http://schemas.openxmlformats.org/presentationml/2006/main" show="0">
   <p:cSld>
     <p:spTree>
@@ -15494,7 +17259,7 @@
               <a:pPr>
                 <a:defRPr/>
               </a:pPr>
-              <a:t>24</a:t>
+              <a:t>30</a:t>
             </a:fld>
             <a:endParaRPr lang="en-US" dirty="0"/>
           </a:p>
@@ -15859,7 +17624,7 @@
 </p:sld>
 </file>
 
-<file path=ppt/slides/slide25.xml><?xml version="1.0" encoding="utf-8"?>
+<file path=ppt/slides/slide31.xml><?xml version="1.0" encoding="utf-8"?>
 <p:sld xmlns:a="http://schemas.openxmlformats.org/drawingml/2006/main" xmlns:r="http://schemas.openxmlformats.org/officeDocument/2006/relationships" xmlns:p="http://schemas.openxmlformats.org/presentationml/2006/main" show="0">
   <p:cSld>
     <p:spTree>
@@ -16116,7 +17881,7 @@
               <a:pPr>
                 <a:defRPr/>
               </a:pPr>
-              <a:t>25</a:t>
+              <a:t>31</a:t>
             </a:fld>
             <a:endParaRPr lang="en-US" dirty="0"/>
           </a:p>
@@ -16233,7 +17998,7 @@
 </p:sld>
 </file>
 
-<file path=ppt/slides/slide26.xml><?xml version="1.0" encoding="utf-8"?>
+<file path=ppt/slides/slide32.xml><?xml version="1.0" encoding="utf-8"?>
 <p:sld xmlns:a="http://schemas.openxmlformats.org/drawingml/2006/main" xmlns:r="http://schemas.openxmlformats.org/officeDocument/2006/relationships" xmlns:p="http://schemas.openxmlformats.org/presentationml/2006/main" show="0">
   <p:cSld>
     <p:spTree>
@@ -16451,7 +18216,7 @@
               <a:pPr>
                 <a:defRPr/>
               </a:pPr>
-              <a:t>26</a:t>
+              <a:t>32</a:t>
             </a:fld>
             <a:endParaRPr lang="en-US" dirty="0"/>
           </a:p>
@@ -16616,323 +18381,6 @@
 </p:sld>
 </file>
 
-<file path=ppt/slides/slide3.xml><?xml version="1.0" encoding="utf-8"?>
-<p:sld xmlns:a="http://schemas.openxmlformats.org/drawingml/2006/main" xmlns:r="http://schemas.openxmlformats.org/officeDocument/2006/relationships" xmlns:p="http://schemas.openxmlformats.org/presentationml/2006/main">
-  <p:cSld>
-    <p:spTree>
-      <p:nvGrpSpPr>
-        <p:cNvPr id="1" name=""/>
-        <p:cNvGrpSpPr/>
-        <p:nvPr/>
-      </p:nvGrpSpPr>
-      <p:grpSpPr>
-        <a:xfrm>
-          <a:off x="0" y="0"/>
-          <a:ext cx="0" cy="0"/>
-          <a:chOff x="0" y="0"/>
-          <a:chExt cx="0" cy="0"/>
-        </a:xfrm>
-      </p:grpSpPr>
-      <p:sp>
-        <p:nvSpPr>
-          <p:cNvPr id="2" name="Title 1"/>
-          <p:cNvSpPr>
-            <a:spLocks noGrp="1"/>
-          </p:cNvSpPr>
-          <p:nvPr>
-            <p:ph type="title"/>
-          </p:nvPr>
-        </p:nvSpPr>
-        <p:spPr/>
-        <p:txBody>
-          <a:bodyPr/>
-          <a:lstStyle/>
-          <a:p>
-            <a:r>
-              <a:rPr lang="en-US" dirty="0" smtClean="0"/>
-              <a:t>Black-white coloring</a:t>
-            </a:r>
-            <a:endParaRPr lang="en-US" dirty="0">
-              <a:solidFill>
-                <a:srgbClr val="0000E5"/>
-              </a:solidFill>
-            </a:endParaRPr>
-          </a:p>
-        </p:txBody>
-      </p:sp>
-      <p:sp>
-        <p:nvSpPr>
-          <p:cNvPr id="3" name="Content Placeholder 2"/>
-          <p:cNvSpPr>
-            <a:spLocks noGrp="1"/>
-          </p:cNvSpPr>
-          <p:nvPr>
-            <p:ph idx="1"/>
-          </p:nvPr>
-        </p:nvSpPr>
-        <p:spPr>
-          <a:xfrm>
-            <a:off x="457200" y="1447800"/>
-            <a:ext cx="8229600" cy="4953000"/>
-          </a:xfrm>
-        </p:spPr>
-        <p:txBody>
-          <a:bodyPr/>
-          <a:lstStyle/>
-          <a:p>
-            <a:r>
-              <a:rPr lang="en-US" sz="5400" dirty="0" smtClean="0">
-                <a:solidFill>
-                  <a:srgbClr val="000000"/>
-                </a:solidFill>
-              </a:rPr>
-              <a:t>Let</a:t>
-            </a:r>
-            <a:r>
-              <a:rPr lang="en-US" sz="5400" dirty="0" smtClean="0"/>
-              <a:t> </a:t>
-            </a:r>
-            <a:r>
-              <a:rPr lang="en-US" sz="5400" dirty="0">
-                <a:solidFill>
-                  <a:schemeClr val="accent1">
-                    <a:lumMod val="50000"/>
-                  </a:schemeClr>
-                </a:solidFill>
-              </a:rPr>
-              <a:t>G </a:t>
-            </a:r>
-            <a:r>
-              <a:rPr lang="en-US" sz="5400" dirty="0" smtClean="0"/>
-              <a:t>be a</a:t>
-            </a:r>
-            <a:r>
-              <a:rPr lang="en-US" sz="5400" dirty="0" smtClean="0">
-                <a:solidFill>
-                  <a:schemeClr val="accent1">
-                    <a:lumMod val="50000"/>
-                  </a:schemeClr>
-                </a:solidFill>
-              </a:rPr>
-              <a:t> connected,</a:t>
-            </a:r>
-            <a:endParaRPr lang="en-US" sz="5400" dirty="0">
-              <a:solidFill>
-                <a:schemeClr val="accent1">
-                  <a:lumMod val="50000"/>
-                </a:schemeClr>
-              </a:solidFill>
-            </a:endParaRPr>
-          </a:p>
-          <a:p>
-            <a:r>
-              <a:rPr lang="en-US" sz="5400" dirty="0" smtClean="0">
-                <a:solidFill>
-                  <a:schemeClr val="accent1">
-                    <a:lumMod val="50000"/>
-                  </a:schemeClr>
-                </a:solidFill>
-              </a:rPr>
-              <a:t>weighted</a:t>
-            </a:r>
-            <a:r>
-              <a:rPr lang="en-US" sz="5400" dirty="0"/>
-              <a:t> </a:t>
-            </a:r>
-            <a:r>
-              <a:rPr lang="en-US" sz="5400" dirty="0" smtClean="0"/>
-              <a:t>simple graph.</a:t>
-            </a:r>
-          </a:p>
-          <a:p>
-            <a:r>
-              <a:rPr lang="en-US" sz="5400" dirty="0" smtClean="0"/>
-              <a:t>Color each vertex of </a:t>
-            </a:r>
-            <a:r>
-              <a:rPr lang="en-US" sz="5400" dirty="0" smtClean="0">
-                <a:solidFill>
-                  <a:schemeClr val="accent1">
-                    <a:lumMod val="50000"/>
-                  </a:schemeClr>
-                </a:solidFill>
-              </a:rPr>
-              <a:t>G</a:t>
-            </a:r>
-          </a:p>
-          <a:p>
-            <a:r>
-              <a:rPr lang="en-US" sz="5400" b="1" dirty="0" smtClean="0"/>
-              <a:t>black</a:t>
-            </a:r>
-            <a:r>
-              <a:rPr lang="en-US" sz="5400" dirty="0" smtClean="0"/>
-              <a:t> or </a:t>
-            </a:r>
-            <a:r>
-              <a:rPr lang="en-US" sz="5400" b="1" dirty="0" smtClean="0">
-                <a:ln w="31550" cmpd="sng">
-                  <a:gradFill>
-                    <a:gsLst>
-                      <a:gs pos="25000">
-                        <a:schemeClr val="accent1">
-                          <a:shade val="25000"/>
-                          <a:satMod val="190000"/>
-                        </a:schemeClr>
-                      </a:gs>
-                      <a:gs pos="80000">
-                        <a:schemeClr val="accent1">
-                          <a:tint val="75000"/>
-                          <a:satMod val="190000"/>
-                        </a:schemeClr>
-                      </a:gs>
-                    </a:gsLst>
-                    <a:lin ang="5400000"/>
-                  </a:gradFill>
-                  <a:prstDash val="solid"/>
-                </a:ln>
-                <a:solidFill>
-                  <a:srgbClr val="FFFFFF"/>
-                </a:solidFill>
-                <a:effectLst>
-                  <a:outerShdw blurRad="41275" dist="12700" dir="12000000" algn="tl" rotWithShape="0">
-                    <a:srgbClr val="000000">
-                      <a:alpha val="40000"/>
-                    </a:srgbClr>
-                  </a:outerShdw>
-                </a:effectLst>
-              </a:rPr>
-              <a:t>white</a:t>
-            </a:r>
-            <a:endParaRPr lang="en-US" sz="5400" dirty="0" smtClean="0"/>
-          </a:p>
-        </p:txBody>
-      </p:sp>
-      <p:sp>
-        <p:nvSpPr>
-          <p:cNvPr id="4" name="Slide Number Placeholder 3"/>
-          <p:cNvSpPr>
-            <a:spLocks noGrp="1"/>
-          </p:cNvSpPr>
-          <p:nvPr>
-            <p:ph type="sldNum" sz="quarter" idx="4"/>
-          </p:nvPr>
-        </p:nvSpPr>
-        <p:spPr/>
-        <p:txBody>
-          <a:bodyPr/>
-          <a:lstStyle/>
-          <a:p>
-            <a:pPr>
-              <a:defRPr/>
-            </a:pPr>
-            <a:r>
-              <a:rPr lang="en-US" smtClean="0"/>
-              <a:t>connected.</a:t>
-            </a:r>
-            <a:fld id="{D7F2FC53-1536-41A9-A9C1-2199CF803E30}" type="slidenum">
-              <a:rPr lang="en-US" smtClean="0"/>
-              <a:pPr>
-                <a:defRPr/>
-              </a:pPr>
-              <a:t>3</a:t>
-            </a:fld>
-            <a:endParaRPr lang="en-US" dirty="0"/>
-          </a:p>
-        </p:txBody>
-      </p:sp>
-      <p:sp>
-        <p:nvSpPr>
-          <p:cNvPr id="5" name="Rectangle 4"/>
-          <p:cNvSpPr/>
-          <p:nvPr/>
-        </p:nvSpPr>
-        <p:spPr>
-          <a:xfrm>
-            <a:off x="457200" y="4419600"/>
-            <a:ext cx="7129589" cy="1754327"/>
-          </a:xfrm>
-          <a:prstGeom prst="rect">
-            <a:avLst/>
-          </a:prstGeom>
-        </p:spPr>
-        <p:txBody>
-          <a:bodyPr wrap="none">
-            <a:spAutoFit/>
-          </a:bodyPr>
-          <a:lstStyle/>
-          <a:p>
-            <a:r>
-              <a:rPr lang="en-US" sz="5400" kern="0" dirty="0" smtClean="0">
-                <a:solidFill>
-                  <a:srgbClr val="000000"/>
-                </a:solidFill>
-                <a:latin typeface="Comic Sans MS"/>
-              </a:rPr>
-              <a:t>                      , </a:t>
-            </a:r>
-            <a:r>
-              <a:rPr lang="en-US" sz="5400" kern="0" dirty="0">
-                <a:solidFill>
-                  <a:srgbClr val="000000"/>
-                </a:solidFill>
-                <a:latin typeface="Comic Sans MS"/>
-              </a:rPr>
-              <a:t>not all </a:t>
-            </a:r>
-            <a:endParaRPr lang="en-US" sz="5400" kern="0" dirty="0" smtClean="0">
-              <a:solidFill>
-                <a:srgbClr val="000000"/>
-              </a:solidFill>
-              <a:latin typeface="Comic Sans MS"/>
-            </a:endParaRPr>
-          </a:p>
-          <a:p>
-            <a:r>
-              <a:rPr lang="en-US" sz="5400" kern="0" dirty="0" smtClean="0">
-                <a:solidFill>
-                  <a:srgbClr val="000000"/>
-                </a:solidFill>
-                <a:latin typeface="Comic Sans MS"/>
-              </a:rPr>
-              <a:t>same </a:t>
-            </a:r>
-            <a:r>
-              <a:rPr lang="en-US" sz="5400" kern="0" dirty="0">
-                <a:solidFill>
-                  <a:srgbClr val="000000"/>
-                </a:solidFill>
-                <a:latin typeface="Comic Sans MS"/>
-              </a:rPr>
-              <a:t>color.</a:t>
-            </a:r>
-            <a:endParaRPr lang="en-US" dirty="0"/>
-          </a:p>
-        </p:txBody>
-      </p:sp>
-    </p:spTree>
-    <p:extLst>
-      <p:ext uri="{BB962C8B-B14F-4D97-AF65-F5344CB8AC3E}">
-        <p14:creationId xmlns:p14="http://schemas.microsoft.com/office/powerpoint/2010/main" val="3417640682"/>
-      </p:ext>
-    </p:extLst>
-  </p:cSld>
-  <p:clrMapOvr>
-    <a:masterClrMapping/>
-  </p:clrMapOvr>
-  <p:transition xmlns:p14="http://schemas.microsoft.com/office/powerpoint/2010/main" advClick="0">
-    <p:fade/>
-  </p:transition>
-  <p:timing>
-    <p:tnLst>
-      <p:par>
-        <p:cTn xmlns:p14="http://schemas.microsoft.com/office/powerpoint/2010/main" id="1" dur="indefinite" restart="never" nodeType="tmRoot"/>
-      </p:par>
-    </p:tnLst>
-  </p:timing>
-</p:sld>
-</file>
-
 <file path=ppt/slides/slide4.xml><?xml version="1.0" encoding="utf-8"?>
 <p:sld xmlns:a="http://schemas.openxmlformats.org/drawingml/2006/main" xmlns:r="http://schemas.openxmlformats.org/officeDocument/2006/relationships" xmlns:p="http://schemas.openxmlformats.org/presentationml/2006/main">
   <p:cSld>
@@ -17007,11 +18455,7 @@
             </a:r>
             <a:r>
               <a:rPr lang="en-US" sz="6000" dirty="0" smtClean="0"/>
-              <a:t> </a:t>
-            </a:r>
-            <a:r>
-              <a:rPr lang="en-US" sz="6000" dirty="0" smtClean="0"/>
-              <a:t>connects vertices with different colors:  </a:t>
+              <a:t> connects vertices with different colors:  </a:t>
             </a:r>
           </a:p>
           <a:p>
@@ -17064,7 +18508,6 @@
               <a:rPr lang="en-US" sz="6000" dirty="0"/>
               <a:t>edge</a:t>
             </a:r>
-            <a:endParaRPr lang="en-US" sz="6000" dirty="0"/>
           </a:p>
         </p:txBody>
       </p:sp>
@@ -17568,7 +19011,6 @@
               <a:rPr lang="en-US" sz="4800" dirty="0" smtClean="0"/>
               <a:t>such that</a:t>
             </a:r>
-            <a:endParaRPr lang="en-US" sz="4800" dirty="0" smtClean="0"/>
           </a:p>
           <a:p>
             <a:pPr marL="571500" indent="-571500">
@@ -18383,7 +19825,7 @@
           <a:graphicData uri="http://schemas.openxmlformats.org/presentationml/2006/ole">
             <mc:AlternateContent xmlns:mc="http://schemas.openxmlformats.org/markup-compatibility/2006">
               <mc:Choice xmlns:v="urn:schemas-microsoft-com:vml" Requires="v">
-                <p:oleObj spid="_x0000_s2081" name="Equation" r:id="rId3" imgW="1130300" imgH="152400" progId="Equation.DSMT4">
+                <p:oleObj spid="_x0000_s2096" name="Equation" r:id="rId3" imgW="1130300" imgH="152400" progId="Equation.DSMT4">
                   <p:embed/>
                 </p:oleObj>
               </mc:Choice>
@@ -18440,7 +19882,7 @@
           <a:graphicData uri="http://schemas.openxmlformats.org/presentationml/2006/ole">
             <mc:AlternateContent xmlns:mc="http://schemas.openxmlformats.org/markup-compatibility/2006">
               <mc:Choice xmlns:v="urn:schemas-microsoft-com:vml" Requires="v">
-                <p:oleObj spid="_x0000_s2082" name="Equation" r:id="rId5" imgW="889000" imgH="190500" progId="Equation.DSMT4">
+                <p:oleObj spid="_x0000_s2097" name="Equation" r:id="rId5" imgW="889000" imgH="190500" progId="Equation.DSMT4">
                   <p:embed/>
                 </p:oleObj>
               </mc:Choice>
